--- a/presentation/Presentation-Lacerte-Lavoie.pptx
+++ b/presentation/Presentation-Lacerte-Lavoie.pptx
@@ -2,7 +2,7 @@
 <file path=ppt/presentation.xml><?xml version="1.0" encoding="utf-8"?>
 <p:presentation xmlns:a="http://schemas.openxmlformats.org/drawingml/2006/main" xmlns:r="http://schemas.openxmlformats.org/officeDocument/2006/relationships" xmlns:p="http://schemas.openxmlformats.org/presentationml/2006/main" saveSubsetFonts="1">
   <p:sldMasterIdLst>
-    <p:sldMasterId id="2147483732" r:id="rId1"/>
+    <p:sldMasterId id="2147483936" r:id="rId1"/>
   </p:sldMasterIdLst>
   <p:sldIdLst>
     <p:sldId id="256" r:id="rId2"/>
@@ -10,8 +10,8 @@
     <p:sldId id="259" r:id="rId4"/>
     <p:sldId id="258" r:id="rId5"/>
     <p:sldId id="262" r:id="rId6"/>
-    <p:sldId id="268" r:id="rId7"/>
-    <p:sldId id="269" r:id="rId8"/>
+    <p:sldId id="267" r:id="rId7"/>
+    <p:sldId id="268" r:id="rId8"/>
     <p:sldId id="264" r:id="rId9"/>
     <p:sldId id="263" r:id="rId10"/>
     <p:sldId id="265" r:id="rId11"/>
@@ -139,8 +139,13 @@
 </file>
 
 <file path=ppt/slideLayouts/slideLayout1.xml><?xml version="1.0" encoding="utf-8"?>
-<p:sldLayout xmlns:a="http://schemas.openxmlformats.org/drawingml/2006/main" xmlns:r="http://schemas.openxmlformats.org/officeDocument/2006/relationships" xmlns:p="http://schemas.openxmlformats.org/presentationml/2006/main" type="title" preserve="1">
+<p:sldLayout xmlns:a="http://schemas.openxmlformats.org/drawingml/2006/main" xmlns:r="http://schemas.openxmlformats.org/officeDocument/2006/relationships" xmlns:p="http://schemas.openxmlformats.org/presentationml/2006/main" showMasterSp="0" type="title" preserve="1">
   <p:cSld name="Diapositive de titre">
+    <p:bg>
+      <p:bgRef idx="1002">
+        <a:schemeClr val="bg2"/>
+      </p:bgRef>
+    </p:bg>
     <p:spTree>
       <p:nvGrpSpPr>
         <p:cNvPr id="1" name=""/>
@@ -157,6 +162,53 @@
       </p:grpSpPr>
       <p:sp>
         <p:nvSpPr>
+          <p:cNvPr id="9" name="Rectangle 8"/>
+          <p:cNvSpPr/>
+          <p:nvPr/>
+        </p:nvSpPr>
+        <p:spPr bwMode="ltGray">
+          <a:xfrm>
+            <a:off x="0" y="0"/>
+            <a:ext cx="9143999" cy="5135430"/>
+          </a:xfrm>
+          <a:prstGeom prst="rect">
+            <a:avLst/>
+          </a:prstGeom>
+          <a:solidFill>
+            <a:srgbClr val="000000"/>
+          </a:solidFill>
+          <a:ln w="48000" cap="flat" cmpd="thickThin" algn="ctr">
+            <a:noFill/>
+            <a:prstDash val="solid"/>
+          </a:ln>
+        </p:spPr>
+        <p:style>
+          <a:lnRef idx="2">
+            <a:schemeClr val="accent1"/>
+          </a:lnRef>
+          <a:fillRef idx="1">
+            <a:schemeClr val="accent1"/>
+          </a:fillRef>
+          <a:effectRef idx="0">
+            <a:schemeClr val="accent1"/>
+          </a:effectRef>
+          <a:fontRef idx="minor">
+            <a:schemeClr val="lt1"/>
+          </a:fontRef>
+        </p:style>
+        <p:txBody>
+          <a:bodyPr rtlCol="0" anchor="ctr"/>
+          <a:lstStyle>
+            <a:extLst/>
+          </a:lstStyle>
+          <a:p>
+            <a:pPr algn="ctr" eaLnBrk="1" latinLnBrk="0" hangingPunct="1"/>
+            <a:endParaRPr kumimoji="0" lang="en-US"/>
+          </a:p>
+        </p:txBody>
+      </p:sp>
+      <p:sp>
+        <p:nvSpPr>
           <p:cNvPr id="2" name="Titre 1"/>
           <p:cNvSpPr>
             <a:spLocks noGrp="1"/>
@@ -167,19 +219,35 @@
         </p:nvSpPr>
         <p:spPr>
           <a:xfrm>
-            <a:off x="685800" y="2130425"/>
-            <a:ext cx="7772400" cy="1470025"/>
+            <a:off x="685800" y="3355848"/>
+            <a:ext cx="8077200" cy="1673352"/>
           </a:xfrm>
         </p:spPr>
         <p:txBody>
-          <a:bodyPr/>
-          <a:lstStyle/>
-          <a:p>
-            <a:r>
-              <a:rPr lang="fr-FR" smtClean="0"/>
+          <a:bodyPr vert="horz" lIns="91440" tIns="0" rIns="45720" bIns="0" rtlCol="0" anchor="t">
+            <a:normAutofit/>
+            <a:scene3d>
+              <a:camera prst="orthographicFront"/>
+              <a:lightRig rig="threePt" dir="t">
+                <a:rot lat="0" lon="0" rev="4800000"/>
+              </a:lightRig>
+            </a:scene3d>
+            <a:sp3d prstMaterial="matte">
+              <a:bevelT w="50800" h="10160"/>
+            </a:sp3d>
+          </a:bodyPr>
+          <a:lstStyle>
+            <a:lvl1pPr algn="l">
+              <a:defRPr sz="4700" b="1"/>
+            </a:lvl1pPr>
+            <a:extLst/>
+          </a:lstStyle>
+          <a:p>
+            <a:r>
+              <a:rPr kumimoji="0" lang="fr-FR" smtClean="0"/>
               <a:t>Modifiez le style du titre</a:t>
             </a:r>
-            <a:endParaRPr lang="fr-CA"/>
+            <a:endParaRPr kumimoji="0" lang="en-US"/>
           </a:p>
         </p:txBody>
       </p:sp>
@@ -195,20 +263,18 @@
         </p:nvSpPr>
         <p:spPr>
           <a:xfrm>
-            <a:off x="1371600" y="3886200"/>
-            <a:ext cx="6400800" cy="1752600"/>
+            <a:off x="685800" y="1828800"/>
+            <a:ext cx="8077200" cy="1499616"/>
           </a:xfrm>
         </p:spPr>
         <p:txBody>
-          <a:bodyPr/>
+          <a:bodyPr lIns="118872" tIns="0" rIns="45720" bIns="0" anchor="b"/>
           <a:lstStyle>
-            <a:lvl1pPr marL="0" indent="0" algn="ctr">
-              <a:buNone/>
-              <a:defRPr>
+            <a:lvl1pPr marL="0" indent="0" algn="l">
+              <a:buNone/>
+              <a:defRPr sz="2000">
                 <a:solidFill>
-                  <a:schemeClr val="tx1">
-                    <a:tint val="75000"/>
-                  </a:schemeClr>
+                  <a:srgbClr val="FFFFFF"/>
                 </a:solidFill>
               </a:defRPr>
             </a:lvl1pPr>
@@ -292,13 +358,14 @@
                 </a:solidFill>
               </a:defRPr>
             </a:lvl9pPr>
+            <a:extLst/>
           </a:lstStyle>
           <a:p>
             <a:r>
-              <a:rPr lang="fr-FR" smtClean="0"/>
+              <a:rPr kumimoji="0" lang="fr-FR" smtClean="0"/>
               <a:t>Modifiez le style des sous-titres du masque</a:t>
             </a:r>
-            <a:endParaRPr lang="fr-CA"/>
+            <a:endParaRPr kumimoji="0" lang="en-US"/>
           </a:p>
         </p:txBody>
       </p:sp>
@@ -369,15 +436,64 @@
           </a:p>
         </p:txBody>
       </p:sp>
+      <p:sp>
+        <p:nvSpPr>
+          <p:cNvPr id="10" name="Rectangle 9"/>
+          <p:cNvSpPr/>
+          <p:nvPr/>
+        </p:nvSpPr>
+        <p:spPr bwMode="invGray">
+          <a:xfrm>
+            <a:off x="0" y="5128334"/>
+            <a:ext cx="9144000" cy="45720"/>
+          </a:xfrm>
+          <a:prstGeom prst="rect">
+            <a:avLst/>
+          </a:prstGeom>
+          <a:solidFill>
+            <a:srgbClr val="FFFFFF"/>
+          </a:solidFill>
+          <a:ln w="48000" cap="flat" cmpd="thickThin" algn="ctr">
+            <a:noFill/>
+            <a:prstDash val="solid"/>
+          </a:ln>
+          <a:effectLst>
+            <a:outerShdw blurRad="31750" dist="10160" dir="5400000" algn="tl" rotWithShape="0">
+              <a:srgbClr val="000000">
+                <a:alpha val="60000"/>
+              </a:srgbClr>
+            </a:outerShdw>
+          </a:effectLst>
+        </p:spPr>
+        <p:style>
+          <a:lnRef idx="2">
+            <a:schemeClr val="accent1"/>
+          </a:lnRef>
+          <a:fillRef idx="1">
+            <a:schemeClr val="accent1"/>
+          </a:fillRef>
+          <a:effectRef idx="0">
+            <a:schemeClr val="accent1"/>
+          </a:effectRef>
+          <a:fontRef idx="minor">
+            <a:schemeClr val="lt1"/>
+          </a:fontRef>
+        </p:style>
+        <p:txBody>
+          <a:bodyPr rtlCol="0" anchor="ctr"/>
+          <a:lstStyle>
+            <a:extLst/>
+          </a:lstStyle>
+          <a:p>
+            <a:pPr algn="ctr" eaLnBrk="1" latinLnBrk="0" hangingPunct="1"/>
+            <a:endParaRPr kumimoji="0" lang="en-US"/>
+          </a:p>
+        </p:txBody>
+      </p:sp>
     </p:spTree>
-    <p:extLst>
-      <p:ext uri="{BB962C8B-B14F-4D97-AF65-F5344CB8AC3E}">
-        <p14:creationId xmlns:p14="http://schemas.microsoft.com/office/powerpoint/2010/main" xmlns="" val="2728548578"/>
-      </p:ext>
-    </p:extLst>
   </p:cSld>
   <p:clrMapOvr>
-    <a:masterClrMapping/>
+    <a:overrideClrMapping bg1="dk1" tx1="lt1" bg2="dk2" tx2="lt2" accent1="accent1" accent2="accent2" accent3="accent3" accent4="accent4" accent5="accent5" accent6="accent6" hlink="hlink" folHlink="folHlink"/>
   </p:clrMapOvr>
 </p:sldLayout>
 </file>
@@ -412,13 +528,15 @@
         <p:spPr/>
         <p:txBody>
           <a:bodyPr/>
-          <a:lstStyle/>
-          <a:p>
-            <a:r>
-              <a:rPr lang="fr-FR" smtClean="0"/>
+          <a:lstStyle>
+            <a:extLst/>
+          </a:lstStyle>
+          <a:p>
+            <a:r>
+              <a:rPr kumimoji="0" lang="fr-FR" smtClean="0"/>
               <a:t>Modifiez le style du titre</a:t>
             </a:r>
-            <a:endParaRPr lang="fr-CA"/>
+            <a:endParaRPr kumimoji="0" lang="en-US"/>
           </a:p>
         </p:txBody>
       </p:sp>
@@ -435,42 +553,44 @@
         <p:spPr/>
         <p:txBody>
           <a:bodyPr vert="eaVert"/>
-          <a:lstStyle/>
-          <a:p>
-            <a:pPr lvl="0"/>
+          <a:lstStyle>
+            <a:extLst/>
+          </a:lstStyle>
+          <a:p>
+            <a:pPr lvl="0" eaLnBrk="1" latinLnBrk="0" hangingPunct="1"/>
             <a:r>
               <a:rPr lang="fr-FR" smtClean="0"/>
               <a:t>Modifiez les styles du texte du masque</a:t>
             </a:r>
           </a:p>
           <a:p>
-            <a:pPr lvl="1"/>
+            <a:pPr lvl="1" eaLnBrk="1" latinLnBrk="0" hangingPunct="1"/>
             <a:r>
               <a:rPr lang="fr-FR" smtClean="0"/>
               <a:t>Deuxième niveau</a:t>
             </a:r>
           </a:p>
           <a:p>
-            <a:pPr lvl="2"/>
+            <a:pPr lvl="2" eaLnBrk="1" latinLnBrk="0" hangingPunct="1"/>
             <a:r>
               <a:rPr lang="fr-FR" smtClean="0"/>
               <a:t>Troisième niveau</a:t>
             </a:r>
           </a:p>
           <a:p>
-            <a:pPr lvl="3"/>
+            <a:pPr lvl="3" eaLnBrk="1" latinLnBrk="0" hangingPunct="1"/>
             <a:r>
               <a:rPr lang="fr-FR" smtClean="0"/>
               <a:t>Quatrième niveau</a:t>
             </a:r>
           </a:p>
           <a:p>
-            <a:pPr lvl="4"/>
+            <a:pPr lvl="4" eaLnBrk="1" latinLnBrk="0" hangingPunct="1"/>
             <a:r>
               <a:rPr lang="fr-FR" smtClean="0"/>
               <a:t>Cinquième niveau</a:t>
             </a:r>
-            <a:endParaRPr lang="fr-CA"/>
+            <a:endParaRPr kumimoji="0" lang="en-US"/>
           </a:p>
         </p:txBody>
       </p:sp>
@@ -542,11 +662,6 @@
         </p:txBody>
       </p:sp>
     </p:spTree>
-    <p:extLst>
-      <p:ext uri="{BB962C8B-B14F-4D97-AF65-F5344CB8AC3E}">
-        <p14:creationId xmlns:p14="http://schemas.microsoft.com/office/powerpoint/2010/main" xmlns="" val="2560181208"/>
-      </p:ext>
-    </p:extLst>
   </p:cSld>
   <p:clrMapOvr>
     <a:masterClrMapping/>
@@ -555,7 +670,7 @@
 </file>
 
 <file path=ppt/slideLayouts/slideLayout11.xml><?xml version="1.0" encoding="utf-8"?>
-<p:sldLayout xmlns:a="http://schemas.openxmlformats.org/drawingml/2006/main" xmlns:r="http://schemas.openxmlformats.org/officeDocument/2006/relationships" xmlns:p="http://schemas.openxmlformats.org/presentationml/2006/main" type="vertTitleAndTx" preserve="1">
+<p:sldLayout xmlns:a="http://schemas.openxmlformats.org/drawingml/2006/main" xmlns:r="http://schemas.openxmlformats.org/officeDocument/2006/relationships" xmlns:p="http://schemas.openxmlformats.org/presentationml/2006/main" showMasterSp="0" type="vertTitleAndTx" preserve="1">
   <p:cSld name="Titre vertical et texte">
     <p:spTree>
       <p:nvGrpSpPr>
@@ -573,6 +688,107 @@
       </p:grpSpPr>
       <p:sp>
         <p:nvSpPr>
+          <p:cNvPr id="9" name="Rectangle 8"/>
+          <p:cNvSpPr/>
+          <p:nvPr/>
+        </p:nvSpPr>
+        <p:spPr bwMode="invGray">
+          <a:xfrm>
+            <a:off x="6598920" y="0"/>
+            <a:ext cx="45720" cy="6858000"/>
+          </a:xfrm>
+          <a:prstGeom prst="rect">
+            <a:avLst/>
+          </a:prstGeom>
+          <a:solidFill>
+            <a:srgbClr val="FFFFFF"/>
+          </a:solidFill>
+          <a:ln w="48000" cap="flat" cmpd="thickThin" algn="ctr">
+            <a:noFill/>
+            <a:prstDash val="solid"/>
+          </a:ln>
+          <a:effectLst>
+            <a:outerShdw blurRad="31750" dist="10160" dir="10800000" algn="tl" rotWithShape="0">
+              <a:srgbClr val="000000">
+                <a:alpha val="60000"/>
+              </a:srgbClr>
+            </a:outerShdw>
+          </a:effectLst>
+        </p:spPr>
+        <p:style>
+          <a:lnRef idx="2">
+            <a:schemeClr val="accent1"/>
+          </a:lnRef>
+          <a:fillRef idx="1">
+            <a:schemeClr val="accent1"/>
+          </a:fillRef>
+          <a:effectRef idx="0">
+            <a:schemeClr val="accent1"/>
+          </a:effectRef>
+          <a:fontRef idx="minor">
+            <a:schemeClr val="lt1"/>
+          </a:fontRef>
+        </p:style>
+        <p:txBody>
+          <a:bodyPr rtlCol="0" anchor="ctr"/>
+          <a:lstStyle>
+            <a:extLst/>
+          </a:lstStyle>
+          <a:p>
+            <a:pPr algn="ctr" eaLnBrk="1" latinLnBrk="0" hangingPunct="1"/>
+            <a:endParaRPr kumimoji="0" lang="en-US"/>
+          </a:p>
+        </p:txBody>
+      </p:sp>
+      <p:sp>
+        <p:nvSpPr>
+          <p:cNvPr id="8" name="Rectangle 7"/>
+          <p:cNvSpPr/>
+          <p:nvPr/>
+        </p:nvSpPr>
+        <p:spPr bwMode="ltGray">
+          <a:xfrm>
+            <a:off x="6647687" y="0"/>
+            <a:ext cx="2514601" cy="6858000"/>
+          </a:xfrm>
+          <a:prstGeom prst="rect">
+            <a:avLst/>
+          </a:prstGeom>
+          <a:solidFill>
+            <a:srgbClr val="000000"/>
+          </a:solidFill>
+          <a:ln w="48000" cap="flat" cmpd="thickThin" algn="ctr">
+            <a:noFill/>
+            <a:prstDash val="solid"/>
+          </a:ln>
+        </p:spPr>
+        <p:style>
+          <a:lnRef idx="2">
+            <a:schemeClr val="accent1"/>
+          </a:lnRef>
+          <a:fillRef idx="1">
+            <a:schemeClr val="accent1"/>
+          </a:fillRef>
+          <a:effectRef idx="0">
+            <a:schemeClr val="accent1"/>
+          </a:effectRef>
+          <a:fontRef idx="minor">
+            <a:schemeClr val="lt1"/>
+          </a:fontRef>
+        </p:style>
+        <p:txBody>
+          <a:bodyPr rtlCol="0" anchor="ctr"/>
+          <a:lstStyle>
+            <a:extLst/>
+          </a:lstStyle>
+          <a:p>
+            <a:pPr algn="ctr" eaLnBrk="1" latinLnBrk="0" hangingPunct="1"/>
+            <a:endParaRPr kumimoji="0" lang="en-US"/>
+          </a:p>
+        </p:txBody>
+      </p:sp>
+      <p:sp>
+        <p:nvSpPr>
           <p:cNvPr id="2" name="Titre vertical 1"/>
           <p:cNvSpPr>
             <a:spLocks noGrp="1"/>
@@ -583,19 +799,21 @@
         </p:nvSpPr>
         <p:spPr>
           <a:xfrm>
-            <a:off x="6629400" y="274638"/>
-            <a:ext cx="2057400" cy="5851525"/>
+            <a:off x="6781800" y="274640"/>
+            <a:ext cx="1905000" cy="5851525"/>
           </a:xfrm>
         </p:spPr>
         <p:txBody>
           <a:bodyPr vert="eaVert"/>
-          <a:lstStyle/>
-          <a:p>
-            <a:r>
-              <a:rPr lang="fr-FR" smtClean="0"/>
+          <a:lstStyle>
+            <a:extLst/>
+          </a:lstStyle>
+          <a:p>
+            <a:r>
+              <a:rPr kumimoji="0" lang="fr-FR" smtClean="0"/>
               <a:t>Modifiez le style du titre</a:t>
             </a:r>
-            <a:endParaRPr lang="fr-CA"/>
+            <a:endParaRPr kumimoji="0" lang="en-US"/>
           </a:p>
         </p:txBody>
       </p:sp>
@@ -611,48 +829,50 @@
         </p:nvSpPr>
         <p:spPr>
           <a:xfrm>
-            <a:off x="457200" y="274638"/>
+            <a:off x="457200" y="304800"/>
             <a:ext cx="6019800" cy="5851525"/>
           </a:xfrm>
         </p:spPr>
         <p:txBody>
           <a:bodyPr vert="eaVert"/>
-          <a:lstStyle/>
-          <a:p>
-            <a:pPr lvl="0"/>
+          <a:lstStyle>
+            <a:extLst/>
+          </a:lstStyle>
+          <a:p>
+            <a:pPr lvl="0" eaLnBrk="1" latinLnBrk="0" hangingPunct="1"/>
             <a:r>
               <a:rPr lang="fr-FR" smtClean="0"/>
               <a:t>Modifiez les styles du texte du masque</a:t>
             </a:r>
           </a:p>
           <a:p>
-            <a:pPr lvl="1"/>
+            <a:pPr lvl="1" eaLnBrk="1" latinLnBrk="0" hangingPunct="1"/>
             <a:r>
               <a:rPr lang="fr-FR" smtClean="0"/>
               <a:t>Deuxième niveau</a:t>
             </a:r>
           </a:p>
           <a:p>
-            <a:pPr lvl="2"/>
+            <a:pPr lvl="2" eaLnBrk="1" latinLnBrk="0" hangingPunct="1"/>
             <a:r>
               <a:rPr lang="fr-FR" smtClean="0"/>
               <a:t>Troisième niveau</a:t>
             </a:r>
           </a:p>
           <a:p>
-            <a:pPr lvl="3"/>
+            <a:pPr lvl="3" eaLnBrk="1" latinLnBrk="0" hangingPunct="1"/>
             <a:r>
               <a:rPr lang="fr-FR" smtClean="0"/>
               <a:t>Quatrième niveau</a:t>
             </a:r>
           </a:p>
           <a:p>
-            <a:pPr lvl="4"/>
+            <a:pPr lvl="4" eaLnBrk="1" latinLnBrk="0" hangingPunct="1"/>
             <a:r>
               <a:rPr lang="fr-FR" smtClean="0"/>
               <a:t>Cinquième niveau</a:t>
             </a:r>
-            <a:endParaRPr lang="fr-CA"/>
+            <a:endParaRPr kumimoji="0" lang="en-US"/>
           </a:p>
         </p:txBody>
       </p:sp>
@@ -690,7 +910,12 @@
             <p:ph type="ftr" sz="quarter" idx="11"/>
           </p:nvPr>
         </p:nvSpPr>
-        <p:spPr/>
+        <p:spPr>
+          <a:xfrm>
+            <a:off x="2640597" y="6377459"/>
+            <a:ext cx="3836404" cy="365125"/>
+          </a:xfrm>
+        </p:spPr>
         <p:txBody>
           <a:bodyPr/>
           <a:lstStyle/>
@@ -724,11 +949,6 @@
         </p:txBody>
       </p:sp>
     </p:spTree>
-    <p:extLst>
-      <p:ext uri="{BB962C8B-B14F-4D97-AF65-F5344CB8AC3E}">
-        <p14:creationId xmlns:p14="http://schemas.microsoft.com/office/powerpoint/2010/main" xmlns="" val="2956332722"/>
-      </p:ext>
-    </p:extLst>
   </p:cSld>
   <p:clrMapOvr>
     <a:masterClrMapping/>
@@ -763,68 +983,77 @@
             <p:ph type="title"/>
           </p:nvPr>
         </p:nvSpPr>
+        <p:spPr>
+          <a:xfrm>
+            <a:off x="457200" y="155448"/>
+            <a:ext cx="8229600" cy="1252728"/>
+          </a:xfrm>
+        </p:spPr>
+        <p:txBody>
+          <a:bodyPr/>
+          <a:lstStyle>
+            <a:extLst/>
+          </a:lstStyle>
+          <a:p>
+            <a:r>
+              <a:rPr kumimoji="0" lang="fr-FR" smtClean="0"/>
+              <a:t>Modifiez le style du titre</a:t>
+            </a:r>
+            <a:endParaRPr kumimoji="0" lang="en-US"/>
+          </a:p>
+        </p:txBody>
+      </p:sp>
+      <p:sp>
+        <p:nvSpPr>
+          <p:cNvPr id="3" name="Espace réservé du contenu 2"/>
+          <p:cNvSpPr>
+            <a:spLocks noGrp="1"/>
+          </p:cNvSpPr>
+          <p:nvPr>
+            <p:ph idx="1"/>
+          </p:nvPr>
+        </p:nvSpPr>
         <p:spPr/>
         <p:txBody>
           <a:bodyPr/>
-          <a:lstStyle/>
-          <a:p>
-            <a:r>
-              <a:rPr lang="fr-FR" smtClean="0"/>
-              <a:t>Modifiez le style du titre</a:t>
-            </a:r>
-            <a:endParaRPr lang="fr-CA"/>
-          </a:p>
-        </p:txBody>
-      </p:sp>
-      <p:sp>
-        <p:nvSpPr>
-          <p:cNvPr id="3" name="Espace réservé du contenu 2"/>
-          <p:cNvSpPr>
-            <a:spLocks noGrp="1"/>
-          </p:cNvSpPr>
-          <p:nvPr>
-            <p:ph idx="1"/>
-          </p:nvPr>
-        </p:nvSpPr>
-        <p:spPr/>
-        <p:txBody>
-          <a:bodyPr/>
-          <a:lstStyle/>
-          <a:p>
-            <a:pPr lvl="0"/>
+          <a:lstStyle>
+            <a:extLst/>
+          </a:lstStyle>
+          <a:p>
+            <a:pPr lvl="0" eaLnBrk="1" latinLnBrk="0" hangingPunct="1"/>
             <a:r>
               <a:rPr lang="fr-FR" smtClean="0"/>
               <a:t>Modifiez les styles du texte du masque</a:t>
             </a:r>
           </a:p>
           <a:p>
-            <a:pPr lvl="1"/>
+            <a:pPr lvl="1" eaLnBrk="1" latinLnBrk="0" hangingPunct="1"/>
             <a:r>
               <a:rPr lang="fr-FR" smtClean="0"/>
               <a:t>Deuxième niveau</a:t>
             </a:r>
           </a:p>
           <a:p>
-            <a:pPr lvl="2"/>
+            <a:pPr lvl="2" eaLnBrk="1" latinLnBrk="0" hangingPunct="1"/>
             <a:r>
               <a:rPr lang="fr-FR" smtClean="0"/>
               <a:t>Troisième niveau</a:t>
             </a:r>
           </a:p>
           <a:p>
-            <a:pPr lvl="3"/>
+            <a:pPr lvl="3" eaLnBrk="1" latinLnBrk="0" hangingPunct="1"/>
             <a:r>
               <a:rPr lang="fr-FR" smtClean="0"/>
               <a:t>Quatrième niveau</a:t>
             </a:r>
           </a:p>
           <a:p>
-            <a:pPr lvl="4"/>
+            <a:pPr lvl="4" eaLnBrk="1" latinLnBrk="0" hangingPunct="1"/>
             <a:r>
               <a:rPr lang="fr-FR" smtClean="0"/>
               <a:t>Cinquième niveau</a:t>
             </a:r>
-            <a:endParaRPr lang="fr-CA"/>
+            <a:endParaRPr kumimoji="0" lang="en-US"/>
           </a:p>
         </p:txBody>
       </p:sp>
@@ -896,11 +1125,6 @@
         </p:txBody>
       </p:sp>
     </p:spTree>
-    <p:extLst>
-      <p:ext uri="{BB962C8B-B14F-4D97-AF65-F5344CB8AC3E}">
-        <p14:creationId xmlns:p14="http://schemas.microsoft.com/office/powerpoint/2010/main" xmlns="" val="1773081675"/>
-      </p:ext>
-    </p:extLst>
   </p:cSld>
   <p:clrMapOvr>
     <a:masterClrMapping/>
@@ -909,8 +1133,13 @@
 </file>
 
 <file path=ppt/slideLayouts/slideLayout3.xml><?xml version="1.0" encoding="utf-8"?>
-<p:sldLayout xmlns:a="http://schemas.openxmlformats.org/drawingml/2006/main" xmlns:r="http://schemas.openxmlformats.org/officeDocument/2006/relationships" xmlns:p="http://schemas.openxmlformats.org/presentationml/2006/main" type="secHead" preserve="1">
+<p:sldLayout xmlns:a="http://schemas.openxmlformats.org/drawingml/2006/main" xmlns:r="http://schemas.openxmlformats.org/officeDocument/2006/relationships" xmlns:p="http://schemas.openxmlformats.org/presentationml/2006/main" showMasterSp="0" type="secHead" preserve="1">
   <p:cSld name="Titre de section">
+    <p:bg>
+      <p:bgRef idx="1002">
+        <a:schemeClr val="bg2"/>
+      </p:bgRef>
+    </p:bg>
     <p:spTree>
       <p:nvGrpSpPr>
         <p:cNvPr id="1" name=""/>
@@ -927,6 +1156,107 @@
       </p:grpSpPr>
       <p:sp>
         <p:nvSpPr>
+          <p:cNvPr id="9" name="Rectangle 8"/>
+          <p:cNvSpPr/>
+          <p:nvPr/>
+        </p:nvSpPr>
+        <p:spPr bwMode="ltGray">
+          <a:xfrm>
+            <a:off x="0" y="1"/>
+            <a:ext cx="9144000" cy="2602520"/>
+          </a:xfrm>
+          <a:prstGeom prst="rect">
+            <a:avLst/>
+          </a:prstGeom>
+          <a:solidFill>
+            <a:srgbClr val="000000"/>
+          </a:solidFill>
+          <a:ln w="48000" cap="flat" cmpd="thickThin" algn="ctr">
+            <a:noFill/>
+            <a:prstDash val="solid"/>
+          </a:ln>
+        </p:spPr>
+        <p:style>
+          <a:lnRef idx="2">
+            <a:schemeClr val="accent1"/>
+          </a:lnRef>
+          <a:fillRef idx="1">
+            <a:schemeClr val="accent1"/>
+          </a:fillRef>
+          <a:effectRef idx="0">
+            <a:schemeClr val="accent1"/>
+          </a:effectRef>
+          <a:fontRef idx="minor">
+            <a:schemeClr val="lt1"/>
+          </a:fontRef>
+        </p:style>
+        <p:txBody>
+          <a:bodyPr rtlCol="0" anchor="ctr"/>
+          <a:lstStyle>
+            <a:extLst/>
+          </a:lstStyle>
+          <a:p>
+            <a:pPr algn="ctr" eaLnBrk="1" latinLnBrk="0" hangingPunct="1"/>
+            <a:endParaRPr kumimoji="0" lang="en-US"/>
+          </a:p>
+        </p:txBody>
+      </p:sp>
+      <p:sp>
+        <p:nvSpPr>
+          <p:cNvPr id="12" name="Rectangle 11"/>
+          <p:cNvSpPr/>
+          <p:nvPr/>
+        </p:nvSpPr>
+        <p:spPr bwMode="invGray">
+          <a:xfrm>
+            <a:off x="0" y="2602520"/>
+            <a:ext cx="9144000" cy="45720"/>
+          </a:xfrm>
+          <a:prstGeom prst="rect">
+            <a:avLst/>
+          </a:prstGeom>
+          <a:solidFill>
+            <a:srgbClr val="FFFFFF"/>
+          </a:solidFill>
+          <a:ln w="48000" cap="flat" cmpd="thickThin" algn="ctr">
+            <a:noFill/>
+            <a:prstDash val="solid"/>
+          </a:ln>
+          <a:effectLst>
+            <a:outerShdw blurRad="31750" dist="10160" dir="5400000" algn="tl" rotWithShape="0">
+              <a:srgbClr val="000000">
+                <a:alpha val="60000"/>
+              </a:srgbClr>
+            </a:outerShdw>
+          </a:effectLst>
+        </p:spPr>
+        <p:style>
+          <a:lnRef idx="2">
+            <a:schemeClr val="accent1"/>
+          </a:lnRef>
+          <a:fillRef idx="1">
+            <a:schemeClr val="accent1"/>
+          </a:fillRef>
+          <a:effectRef idx="0">
+            <a:schemeClr val="accent1"/>
+          </a:effectRef>
+          <a:fontRef idx="minor">
+            <a:schemeClr val="lt1"/>
+          </a:fontRef>
+        </p:style>
+        <p:txBody>
+          <a:bodyPr rtlCol="0" anchor="ctr"/>
+          <a:lstStyle>
+            <a:extLst/>
+          </a:lstStyle>
+          <a:p>
+            <a:pPr algn="ctr" eaLnBrk="1" latinLnBrk="0" hangingPunct="1"/>
+            <a:endParaRPr kumimoji="0" lang="en-US"/>
+          </a:p>
+        </p:txBody>
+      </p:sp>
+      <p:sp>
+        <p:nvSpPr>
           <p:cNvPr id="2" name="Titre 1"/>
           <p:cNvSpPr>
             <a:spLocks noGrp="1"/>
@@ -937,23 +1267,35 @@
         </p:nvSpPr>
         <p:spPr>
           <a:xfrm>
-            <a:off x="722313" y="4406900"/>
-            <a:ext cx="7772400" cy="1362075"/>
+            <a:off x="749808" y="118872"/>
+            <a:ext cx="8013192" cy="1636776"/>
           </a:xfrm>
         </p:spPr>
         <p:txBody>
-          <a:bodyPr anchor="t"/>
+          <a:bodyPr vert="horz" lIns="91440" tIns="0" rIns="91440" bIns="0" rtlCol="0" anchor="b">
+            <a:normAutofit/>
+            <a:scene3d>
+              <a:camera prst="orthographicFront"/>
+              <a:lightRig rig="threePt" dir="t">
+                <a:rot lat="0" lon="0" rev="4800000"/>
+              </a:lightRig>
+            </a:scene3d>
+            <a:sp3d prstMaterial="matte">
+              <a:bevelT w="50800" h="10160"/>
+            </a:sp3d>
+          </a:bodyPr>
           <a:lstStyle>
             <a:lvl1pPr algn="l">
-              <a:defRPr sz="4000" b="1" cap="all"/>
+              <a:defRPr sz="4700" b="1" cap="none" baseline="0"/>
             </a:lvl1pPr>
+            <a:extLst/>
           </a:lstStyle>
           <a:p>
             <a:r>
-              <a:rPr lang="fr-FR" smtClean="0"/>
+              <a:rPr kumimoji="0" lang="fr-FR" smtClean="0"/>
               <a:t>Modifiez le style du titre</a:t>
             </a:r>
-            <a:endParaRPr lang="fr-CA"/>
+            <a:endParaRPr kumimoji="0" lang="en-US"/>
           </a:p>
         </p:txBody>
       </p:sp>
@@ -969,20 +1311,18 @@
         </p:nvSpPr>
         <p:spPr>
           <a:xfrm>
-            <a:off x="722313" y="2906713"/>
-            <a:ext cx="7772400" cy="1500187"/>
+            <a:off x="740664" y="1828800"/>
+            <a:ext cx="8022336" cy="685800"/>
           </a:xfrm>
         </p:spPr>
         <p:txBody>
-          <a:bodyPr anchor="b"/>
+          <a:bodyPr lIns="146304" tIns="0" rIns="45720" bIns="0" anchor="t"/>
           <a:lstStyle>
             <a:lvl1pPr marL="0" indent="0">
               <a:buNone/>
               <a:defRPr sz="2000">
                 <a:solidFill>
-                  <a:schemeClr val="tx1">
-                    <a:tint val="75000"/>
-                  </a:schemeClr>
+                  <a:srgbClr val="FFFFFF"/>
                 </a:solidFill>
               </a:defRPr>
             </a:lvl1pPr>
@@ -1066,11 +1406,12 @@
                 </a:solidFill>
               </a:defRPr>
             </a:lvl9pPr>
+            <a:extLst/>
           </a:lstStyle>
           <a:p>
-            <a:pPr lvl="0"/>
-            <a:r>
-              <a:rPr lang="fr-FR" smtClean="0"/>
+            <a:pPr lvl="0" eaLnBrk="1" latinLnBrk="0" hangingPunct="1"/>
+            <a:r>
+              <a:rPr kumimoji="0" lang="fr-FR" smtClean="0"/>
               <a:t>Modifiez les styles du texte du masque</a:t>
             </a:r>
           </a:p>
@@ -1144,14 +1485,9 @@
         </p:txBody>
       </p:sp>
     </p:spTree>
-    <p:extLst>
-      <p:ext uri="{BB962C8B-B14F-4D97-AF65-F5344CB8AC3E}">
-        <p14:creationId xmlns:p14="http://schemas.microsoft.com/office/powerpoint/2010/main" xmlns="" val="3767088700"/>
-      </p:ext>
-    </p:extLst>
   </p:cSld>
   <p:clrMapOvr>
-    <a:masterClrMapping/>
+    <a:overrideClrMapping bg1="dk1" tx1="lt1" bg2="dk2" tx2="lt2" accent1="accent1" accent2="accent2" accent3="accent3" accent4="accent4" accent5="accent5" accent6="accent6" hlink="hlink" folHlink="folHlink"/>
   </p:clrMapOvr>
 </p:sldLayout>
 </file>
@@ -1186,13 +1522,15 @@
         <p:spPr/>
         <p:txBody>
           <a:bodyPr/>
-          <a:lstStyle/>
-          <a:p>
-            <a:r>
-              <a:rPr lang="fr-FR" smtClean="0"/>
+          <a:lstStyle>
+            <a:extLst/>
+          </a:lstStyle>
+          <a:p>
+            <a:r>
+              <a:rPr kumimoji="0" lang="fr-FR" smtClean="0"/>
               <a:t>Modifiez le style du titre</a:t>
             </a:r>
-            <a:endParaRPr lang="fr-CA"/>
+            <a:endParaRPr kumimoji="0" lang="en-US"/>
           </a:p>
         </p:txBody>
       </p:sp>
@@ -1208,8 +1546,94 @@
         </p:nvSpPr>
         <p:spPr>
           <a:xfrm>
-            <a:off x="457200" y="1600200"/>
-            <a:ext cx="4038600" cy="4525963"/>
+            <a:off x="457200" y="1773936"/>
+            <a:ext cx="4038600" cy="4623816"/>
+          </a:xfrm>
+        </p:spPr>
+        <p:txBody>
+          <a:bodyPr lIns="91440"/>
+          <a:lstStyle>
+            <a:lvl1pPr>
+              <a:defRPr sz="2800"/>
+            </a:lvl1pPr>
+            <a:lvl2pPr>
+              <a:defRPr sz="2400"/>
+            </a:lvl2pPr>
+            <a:lvl3pPr>
+              <a:defRPr sz="2000"/>
+            </a:lvl3pPr>
+            <a:lvl4pPr>
+              <a:defRPr sz="1800"/>
+            </a:lvl4pPr>
+            <a:lvl5pPr>
+              <a:defRPr sz="1800"/>
+            </a:lvl5pPr>
+            <a:lvl6pPr>
+              <a:defRPr sz="1800"/>
+            </a:lvl6pPr>
+            <a:lvl7pPr>
+              <a:defRPr sz="1800"/>
+            </a:lvl7pPr>
+            <a:lvl8pPr>
+              <a:defRPr sz="1800"/>
+            </a:lvl8pPr>
+            <a:lvl9pPr>
+              <a:defRPr sz="1800"/>
+            </a:lvl9pPr>
+            <a:extLst/>
+          </a:lstStyle>
+          <a:p>
+            <a:pPr lvl="0" eaLnBrk="1" latinLnBrk="0" hangingPunct="1"/>
+            <a:r>
+              <a:rPr lang="fr-FR" smtClean="0"/>
+              <a:t>Modifiez les styles du texte du masque</a:t>
+            </a:r>
+          </a:p>
+          <a:p>
+            <a:pPr lvl="1" eaLnBrk="1" latinLnBrk="0" hangingPunct="1"/>
+            <a:r>
+              <a:rPr lang="fr-FR" smtClean="0"/>
+              <a:t>Deuxième niveau</a:t>
+            </a:r>
+          </a:p>
+          <a:p>
+            <a:pPr lvl="2" eaLnBrk="1" latinLnBrk="0" hangingPunct="1"/>
+            <a:r>
+              <a:rPr lang="fr-FR" smtClean="0"/>
+              <a:t>Troisième niveau</a:t>
+            </a:r>
+          </a:p>
+          <a:p>
+            <a:pPr lvl="3" eaLnBrk="1" latinLnBrk="0" hangingPunct="1"/>
+            <a:r>
+              <a:rPr lang="fr-FR" smtClean="0"/>
+              <a:t>Quatrième niveau</a:t>
+            </a:r>
+          </a:p>
+          <a:p>
+            <a:pPr lvl="4" eaLnBrk="1" latinLnBrk="0" hangingPunct="1"/>
+            <a:r>
+              <a:rPr lang="fr-FR" smtClean="0"/>
+              <a:t>Cinquième niveau</a:t>
+            </a:r>
+            <a:endParaRPr kumimoji="0" lang="en-US"/>
+          </a:p>
+        </p:txBody>
+      </p:sp>
+      <p:sp>
+        <p:nvSpPr>
+          <p:cNvPr id="4" name="Espace réservé du contenu 3"/>
+          <p:cNvSpPr>
+            <a:spLocks noGrp="1"/>
+          </p:cNvSpPr>
+          <p:nvPr>
+            <p:ph sz="half" idx="2"/>
+          </p:nvPr>
+        </p:nvSpPr>
+        <p:spPr>
+          <a:xfrm>
+            <a:off x="4648200" y="1773936"/>
+            <a:ext cx="4038600" cy="4623816"/>
           </a:xfrm>
         </p:spPr>
         <p:txBody>
@@ -1242,127 +1666,43 @@
             <a:lvl9pPr>
               <a:defRPr sz="1800"/>
             </a:lvl9pPr>
+            <a:extLst/>
           </a:lstStyle>
           <a:p>
-            <a:pPr lvl="0"/>
+            <a:pPr lvl="0" eaLnBrk="1" latinLnBrk="0" hangingPunct="1"/>
             <a:r>
               <a:rPr lang="fr-FR" smtClean="0"/>
               <a:t>Modifiez les styles du texte du masque</a:t>
             </a:r>
           </a:p>
           <a:p>
-            <a:pPr lvl="1"/>
+            <a:pPr lvl="1" eaLnBrk="1" latinLnBrk="0" hangingPunct="1"/>
             <a:r>
               <a:rPr lang="fr-FR" smtClean="0"/>
               <a:t>Deuxième niveau</a:t>
             </a:r>
           </a:p>
           <a:p>
-            <a:pPr lvl="2"/>
+            <a:pPr lvl="2" eaLnBrk="1" latinLnBrk="0" hangingPunct="1"/>
             <a:r>
               <a:rPr lang="fr-FR" smtClean="0"/>
               <a:t>Troisième niveau</a:t>
             </a:r>
           </a:p>
           <a:p>
-            <a:pPr lvl="3"/>
+            <a:pPr lvl="3" eaLnBrk="1" latinLnBrk="0" hangingPunct="1"/>
             <a:r>
               <a:rPr lang="fr-FR" smtClean="0"/>
               <a:t>Quatrième niveau</a:t>
             </a:r>
           </a:p>
           <a:p>
-            <a:pPr lvl="4"/>
+            <a:pPr lvl="4" eaLnBrk="1" latinLnBrk="0" hangingPunct="1"/>
             <a:r>
               <a:rPr lang="fr-FR" smtClean="0"/>
               <a:t>Cinquième niveau</a:t>
             </a:r>
-            <a:endParaRPr lang="fr-CA"/>
-          </a:p>
-        </p:txBody>
-      </p:sp>
-      <p:sp>
-        <p:nvSpPr>
-          <p:cNvPr id="4" name="Espace réservé du contenu 3"/>
-          <p:cNvSpPr>
-            <a:spLocks noGrp="1"/>
-          </p:cNvSpPr>
-          <p:nvPr>
-            <p:ph sz="half" idx="2"/>
-          </p:nvPr>
-        </p:nvSpPr>
-        <p:spPr>
-          <a:xfrm>
-            <a:off x="4648200" y="1600200"/>
-            <a:ext cx="4038600" cy="4525963"/>
-          </a:xfrm>
-        </p:spPr>
-        <p:txBody>
-          <a:bodyPr/>
-          <a:lstStyle>
-            <a:lvl1pPr>
-              <a:defRPr sz="2800"/>
-            </a:lvl1pPr>
-            <a:lvl2pPr>
-              <a:defRPr sz="2400"/>
-            </a:lvl2pPr>
-            <a:lvl3pPr>
-              <a:defRPr sz="2000"/>
-            </a:lvl3pPr>
-            <a:lvl4pPr>
-              <a:defRPr sz="1800"/>
-            </a:lvl4pPr>
-            <a:lvl5pPr>
-              <a:defRPr sz="1800"/>
-            </a:lvl5pPr>
-            <a:lvl6pPr>
-              <a:defRPr sz="1800"/>
-            </a:lvl6pPr>
-            <a:lvl7pPr>
-              <a:defRPr sz="1800"/>
-            </a:lvl7pPr>
-            <a:lvl8pPr>
-              <a:defRPr sz="1800"/>
-            </a:lvl8pPr>
-            <a:lvl9pPr>
-              <a:defRPr sz="1800"/>
-            </a:lvl9pPr>
-          </a:lstStyle>
-          <a:p>
-            <a:pPr lvl="0"/>
-            <a:r>
-              <a:rPr lang="fr-FR" smtClean="0"/>
-              <a:t>Modifiez les styles du texte du masque</a:t>
-            </a:r>
-          </a:p>
-          <a:p>
-            <a:pPr lvl="1"/>
-            <a:r>
-              <a:rPr lang="fr-FR" smtClean="0"/>
-              <a:t>Deuxième niveau</a:t>
-            </a:r>
-          </a:p>
-          <a:p>
-            <a:pPr lvl="2"/>
-            <a:r>
-              <a:rPr lang="fr-FR" smtClean="0"/>
-              <a:t>Troisième niveau</a:t>
-            </a:r>
-          </a:p>
-          <a:p>
-            <a:pPr lvl="3"/>
-            <a:r>
-              <a:rPr lang="fr-FR" smtClean="0"/>
-              <a:t>Quatrième niveau</a:t>
-            </a:r>
-          </a:p>
-          <a:p>
-            <a:pPr lvl="4"/>
-            <a:r>
-              <a:rPr lang="fr-FR" smtClean="0"/>
-              <a:t>Cinquième niveau</a:t>
-            </a:r>
-            <a:endParaRPr lang="fr-CA"/>
+            <a:endParaRPr kumimoji="0" lang="en-US"/>
           </a:p>
         </p:txBody>
       </p:sp>
@@ -1434,11 +1774,6 @@
         </p:txBody>
       </p:sp>
     </p:spTree>
-    <p:extLst>
-      <p:ext uri="{BB962C8B-B14F-4D97-AF65-F5344CB8AC3E}">
-        <p14:creationId xmlns:p14="http://schemas.microsoft.com/office/powerpoint/2010/main" xmlns="" val="2555384116"/>
-      </p:ext>
-    </p:extLst>
   </p:cSld>
   <p:clrMapOvr>
     <a:masterClrMapping/>
@@ -1480,13 +1815,14 @@
             <a:lvl1pPr>
               <a:defRPr/>
             </a:lvl1pPr>
+            <a:extLst/>
           </a:lstStyle>
           <a:p>
             <a:r>
-              <a:rPr lang="fr-FR" smtClean="0"/>
+              <a:rPr kumimoji="0" lang="fr-FR" smtClean="0"/>
               <a:t>Modifiez le style du titre</a:t>
             </a:r>
-            <a:endParaRPr lang="fr-CA"/>
+            <a:endParaRPr kumimoji="0" lang="en-US"/>
           </a:p>
         </p:txBody>
       </p:sp>
@@ -1502,16 +1838,16 @@
         </p:nvSpPr>
         <p:spPr>
           <a:xfrm>
-            <a:off x="457200" y="1535113"/>
-            <a:ext cx="4040188" cy="639762"/>
+            <a:off x="457200" y="1698987"/>
+            <a:ext cx="4040188" cy="715355"/>
           </a:xfrm>
         </p:spPr>
         <p:txBody>
-          <a:bodyPr anchor="b"/>
+          <a:bodyPr lIns="146304" anchor="ctr"/>
           <a:lstStyle>
             <a:lvl1pPr marL="0" indent="0">
               <a:buNone/>
-              <a:defRPr sz="2400" b="1"/>
+              <a:defRPr sz="2300" b="1" cap="all" baseline="0"/>
             </a:lvl1pPr>
             <a:lvl2pPr marL="457200" indent="0">
               <a:buNone/>
@@ -1545,11 +1881,12 @@
               <a:buNone/>
               <a:defRPr sz="1600" b="1"/>
             </a:lvl9pPr>
+            <a:extLst/>
           </a:lstStyle>
           <a:p>
-            <a:pPr lvl="0"/>
-            <a:r>
-              <a:rPr lang="fr-FR" smtClean="0"/>
+            <a:pPr lvl="0" eaLnBrk="1" latinLnBrk="0" hangingPunct="1"/>
+            <a:r>
+              <a:rPr kumimoji="0" lang="fr-FR" smtClean="0"/>
               <a:t>Modifiez les styles du texte du masque</a:t>
             </a:r>
           </a:p>
@@ -1567,7 +1904,7 @@
         </p:nvSpPr>
         <p:spPr>
           <a:xfrm>
-            <a:off x="457200" y="2174875"/>
+            <a:off x="457200" y="2449512"/>
             <a:ext cx="4040188" cy="3951288"/>
           </a:xfrm>
         </p:spPr>
@@ -1601,42 +1938,43 @@
             <a:lvl9pPr>
               <a:defRPr sz="1600"/>
             </a:lvl9pPr>
+            <a:extLst/>
           </a:lstStyle>
           <a:p>
-            <a:pPr lvl="0"/>
+            <a:pPr lvl="0" eaLnBrk="1" latinLnBrk="0" hangingPunct="1"/>
             <a:r>
               <a:rPr lang="fr-FR" smtClean="0"/>
               <a:t>Modifiez les styles du texte du masque</a:t>
             </a:r>
           </a:p>
           <a:p>
-            <a:pPr lvl="1"/>
+            <a:pPr lvl="1" eaLnBrk="1" latinLnBrk="0" hangingPunct="1"/>
             <a:r>
               <a:rPr lang="fr-FR" smtClean="0"/>
               <a:t>Deuxième niveau</a:t>
             </a:r>
           </a:p>
           <a:p>
-            <a:pPr lvl="2"/>
+            <a:pPr lvl="2" eaLnBrk="1" latinLnBrk="0" hangingPunct="1"/>
             <a:r>
               <a:rPr lang="fr-FR" smtClean="0"/>
               <a:t>Troisième niveau</a:t>
             </a:r>
           </a:p>
           <a:p>
-            <a:pPr lvl="3"/>
+            <a:pPr lvl="3" eaLnBrk="1" latinLnBrk="0" hangingPunct="1"/>
             <a:r>
               <a:rPr lang="fr-FR" smtClean="0"/>
               <a:t>Quatrième niveau</a:t>
             </a:r>
           </a:p>
           <a:p>
-            <a:pPr lvl="4"/>
+            <a:pPr lvl="4" eaLnBrk="1" latinLnBrk="0" hangingPunct="1"/>
             <a:r>
               <a:rPr lang="fr-FR" smtClean="0"/>
               <a:t>Cinquième niveau</a:t>
             </a:r>
-            <a:endParaRPr lang="fr-CA"/>
+            <a:endParaRPr kumimoji="0" lang="en-US"/>
           </a:p>
         </p:txBody>
       </p:sp>
@@ -1652,16 +1990,16 @@
         </p:nvSpPr>
         <p:spPr>
           <a:xfrm>
-            <a:off x="4645025" y="1535113"/>
-            <a:ext cx="4041775" cy="639762"/>
+            <a:off x="4645025" y="1698987"/>
+            <a:ext cx="4041775" cy="715355"/>
           </a:xfrm>
         </p:spPr>
         <p:txBody>
-          <a:bodyPr anchor="b"/>
+          <a:bodyPr lIns="146304" anchor="ctr"/>
           <a:lstStyle>
             <a:lvl1pPr marL="0" indent="0">
               <a:buNone/>
-              <a:defRPr sz="2400" b="1"/>
+              <a:defRPr sz="2300" b="1" cap="all" baseline="0"/>
             </a:lvl1pPr>
             <a:lvl2pPr marL="457200" indent="0">
               <a:buNone/>
@@ -1695,11 +2033,12 @@
               <a:buNone/>
               <a:defRPr sz="1600" b="1"/>
             </a:lvl9pPr>
+            <a:extLst/>
           </a:lstStyle>
           <a:p>
-            <a:pPr lvl="0"/>
-            <a:r>
-              <a:rPr lang="fr-FR" smtClean="0"/>
+            <a:pPr lvl="0" eaLnBrk="1" latinLnBrk="0" hangingPunct="1"/>
+            <a:r>
+              <a:rPr kumimoji="0" lang="fr-FR" smtClean="0"/>
               <a:t>Modifiez les styles du texte du masque</a:t>
             </a:r>
           </a:p>
@@ -1717,7 +2056,7 @@
         </p:nvSpPr>
         <p:spPr>
           <a:xfrm>
-            <a:off x="4645025" y="2174875"/>
+            <a:off x="4645025" y="2449512"/>
             <a:ext cx="4041775" cy="3951288"/>
           </a:xfrm>
         </p:spPr>
@@ -1751,42 +2090,43 @@
             <a:lvl9pPr>
               <a:defRPr sz="1600"/>
             </a:lvl9pPr>
+            <a:extLst/>
           </a:lstStyle>
           <a:p>
-            <a:pPr lvl="0"/>
+            <a:pPr lvl="0" eaLnBrk="1" latinLnBrk="0" hangingPunct="1"/>
             <a:r>
               <a:rPr lang="fr-FR" smtClean="0"/>
               <a:t>Modifiez les styles du texte du masque</a:t>
             </a:r>
           </a:p>
           <a:p>
-            <a:pPr lvl="1"/>
+            <a:pPr lvl="1" eaLnBrk="1" latinLnBrk="0" hangingPunct="1"/>
             <a:r>
               <a:rPr lang="fr-FR" smtClean="0"/>
               <a:t>Deuxième niveau</a:t>
             </a:r>
           </a:p>
           <a:p>
-            <a:pPr lvl="2"/>
+            <a:pPr lvl="2" eaLnBrk="1" latinLnBrk="0" hangingPunct="1"/>
             <a:r>
               <a:rPr lang="fr-FR" smtClean="0"/>
               <a:t>Troisième niveau</a:t>
             </a:r>
           </a:p>
           <a:p>
-            <a:pPr lvl="3"/>
+            <a:pPr lvl="3" eaLnBrk="1" latinLnBrk="0" hangingPunct="1"/>
             <a:r>
               <a:rPr lang="fr-FR" smtClean="0"/>
               <a:t>Quatrième niveau</a:t>
             </a:r>
           </a:p>
           <a:p>
-            <a:pPr lvl="4"/>
+            <a:pPr lvl="4" eaLnBrk="1" latinLnBrk="0" hangingPunct="1"/>
             <a:r>
               <a:rPr lang="fr-FR" smtClean="0"/>
               <a:t>Cinquième niveau</a:t>
             </a:r>
-            <a:endParaRPr lang="fr-CA"/>
+            <a:endParaRPr kumimoji="0" lang="en-US"/>
           </a:p>
         </p:txBody>
       </p:sp>
@@ -1858,11 +2198,6 @@
         </p:txBody>
       </p:sp>
     </p:spTree>
-    <p:extLst>
-      <p:ext uri="{BB962C8B-B14F-4D97-AF65-F5344CB8AC3E}">
-        <p14:creationId xmlns:p14="http://schemas.microsoft.com/office/powerpoint/2010/main" xmlns="" val="3442323942"/>
-      </p:ext>
-    </p:extLst>
   </p:cSld>
   <p:clrMapOvr>
     <a:masterClrMapping/>
@@ -1900,13 +2235,15 @@
         <p:spPr/>
         <p:txBody>
           <a:bodyPr/>
-          <a:lstStyle/>
-          <a:p>
-            <a:r>
-              <a:rPr lang="fr-FR" smtClean="0"/>
+          <a:lstStyle>
+            <a:extLst/>
+          </a:lstStyle>
+          <a:p>
+            <a:r>
+              <a:rPr kumimoji="0" lang="fr-FR" smtClean="0"/>
               <a:t>Modifiez le style du titre</a:t>
             </a:r>
-            <a:endParaRPr lang="fr-CA"/>
+            <a:endParaRPr kumimoji="0" lang="en-US"/>
           </a:p>
         </p:txBody>
       </p:sp>
@@ -1978,11 +2315,6 @@
         </p:txBody>
       </p:sp>
     </p:spTree>
-    <p:extLst>
-      <p:ext uri="{BB962C8B-B14F-4D97-AF65-F5344CB8AC3E}">
-        <p14:creationId xmlns:p14="http://schemas.microsoft.com/office/powerpoint/2010/main" xmlns="" val="994195500"/>
-      </p:ext>
-    </p:extLst>
   </p:cSld>
   <p:clrMapOvr>
     <a:masterClrMapping/>
@@ -1991,7 +2323,7 @@
 </file>
 
 <file path=ppt/slideLayouts/slideLayout7.xml><?xml version="1.0" encoding="utf-8"?>
-<p:sldLayout xmlns:a="http://schemas.openxmlformats.org/drawingml/2006/main" xmlns:r="http://schemas.openxmlformats.org/officeDocument/2006/relationships" xmlns:p="http://schemas.openxmlformats.org/presentationml/2006/main" type="blank" preserve="1">
+<p:sldLayout xmlns:a="http://schemas.openxmlformats.org/drawingml/2006/main" xmlns:r="http://schemas.openxmlformats.org/officeDocument/2006/relationships" xmlns:p="http://schemas.openxmlformats.org/presentationml/2006/main" showMasterSp="0" type="blank" preserve="1">
   <p:cSld name="Vide">
     <p:spTree>
       <p:nvGrpSpPr>
@@ -2075,11 +2407,6 @@
         </p:txBody>
       </p:sp>
     </p:spTree>
-    <p:extLst>
-      <p:ext uri="{BB962C8B-B14F-4D97-AF65-F5344CB8AC3E}">
-        <p14:creationId xmlns:p14="http://schemas.microsoft.com/office/powerpoint/2010/main" xmlns="" val="3136406131"/>
-      </p:ext>
-    </p:extLst>
   </p:cSld>
   <p:clrMapOvr>
     <a:masterClrMapping/>
@@ -2116,23 +2443,27 @@
         </p:nvSpPr>
         <p:spPr>
           <a:xfrm>
-            <a:off x="457200" y="273050"/>
-            <a:ext cx="3008313" cy="1162050"/>
+            <a:off x="167838" y="152400"/>
+            <a:ext cx="2523744" cy="978408"/>
           </a:xfrm>
         </p:spPr>
         <p:txBody>
-          <a:bodyPr anchor="b"/>
+          <a:bodyPr vert="horz" lIns="73152" rIns="45720" bIns="0" rtlCol="0" anchor="b">
+            <a:normAutofit/>
+            <a:sp3d prstMaterial="matte"/>
+          </a:bodyPr>
           <a:lstStyle>
             <a:lvl1pPr algn="l">
-              <a:defRPr sz="2000" b="1"/>
+              <a:defRPr sz="2000" b="0"/>
             </a:lvl1pPr>
+            <a:extLst/>
           </a:lstStyle>
           <a:p>
             <a:r>
-              <a:rPr lang="fr-FR" smtClean="0"/>
+              <a:rPr kumimoji="0" lang="fr-FR" smtClean="0"/>
               <a:t>Modifiez le style du titre</a:t>
             </a:r>
-            <a:endParaRPr lang="fr-CA"/>
+            <a:endParaRPr kumimoji="0" lang="en-US"/>
           </a:p>
         </p:txBody>
       </p:sp>
@@ -2148,8 +2479,8 @@
         </p:nvSpPr>
         <p:spPr>
           <a:xfrm>
-            <a:off x="3575050" y="273050"/>
-            <a:ext cx="5111750" cy="5853113"/>
+            <a:off x="3019377" y="1743133"/>
+            <a:ext cx="5920641" cy="4558885"/>
           </a:xfrm>
         </p:spPr>
         <p:txBody>
@@ -2182,42 +2513,43 @@
             <a:lvl9pPr>
               <a:defRPr sz="2000"/>
             </a:lvl9pPr>
+            <a:extLst/>
           </a:lstStyle>
           <a:p>
-            <a:pPr lvl="0"/>
+            <a:pPr lvl="0" eaLnBrk="1" latinLnBrk="0" hangingPunct="1"/>
             <a:r>
               <a:rPr lang="fr-FR" smtClean="0"/>
               <a:t>Modifiez les styles du texte du masque</a:t>
             </a:r>
           </a:p>
           <a:p>
-            <a:pPr lvl="1"/>
+            <a:pPr lvl="1" eaLnBrk="1" latinLnBrk="0" hangingPunct="1"/>
             <a:r>
               <a:rPr lang="fr-FR" smtClean="0"/>
               <a:t>Deuxième niveau</a:t>
             </a:r>
           </a:p>
           <a:p>
-            <a:pPr lvl="2"/>
+            <a:pPr lvl="2" eaLnBrk="1" latinLnBrk="0" hangingPunct="1"/>
             <a:r>
               <a:rPr lang="fr-FR" smtClean="0"/>
               <a:t>Troisième niveau</a:t>
             </a:r>
           </a:p>
           <a:p>
-            <a:pPr lvl="3"/>
+            <a:pPr lvl="3" eaLnBrk="1" latinLnBrk="0" hangingPunct="1"/>
             <a:r>
               <a:rPr lang="fr-FR" smtClean="0"/>
               <a:t>Quatrième niveau</a:t>
             </a:r>
           </a:p>
           <a:p>
-            <a:pPr lvl="4"/>
+            <a:pPr lvl="4" eaLnBrk="1" latinLnBrk="0" hangingPunct="1"/>
             <a:r>
               <a:rPr lang="fr-FR" smtClean="0"/>
               <a:t>Cinquième niveau</a:t>
             </a:r>
-            <a:endParaRPr lang="fr-CA"/>
+            <a:endParaRPr kumimoji="0" lang="en-US"/>
           </a:p>
         </p:txBody>
       </p:sp>
@@ -2233,8 +2565,8 @@
         </p:nvSpPr>
         <p:spPr>
           <a:xfrm>
-            <a:off x="457200" y="1435100"/>
-            <a:ext cx="3008313" cy="4691063"/>
+            <a:off x="167838" y="1730018"/>
+            <a:ext cx="2468880" cy="4572000"/>
           </a:xfrm>
         </p:spPr>
         <p:txBody>
@@ -2276,11 +2608,12 @@
               <a:buNone/>
               <a:defRPr sz="900"/>
             </a:lvl9pPr>
+            <a:extLst/>
           </a:lstStyle>
           <a:p>
-            <a:pPr lvl="0"/>
-            <a:r>
-              <a:rPr lang="fr-FR" smtClean="0"/>
+            <a:pPr lvl="0" eaLnBrk="1" latinLnBrk="0" hangingPunct="1"/>
+            <a:r>
+              <a:rPr kumimoji="0" lang="fr-FR" smtClean="0"/>
               <a:t>Modifiez les styles du texte du masque</a:t>
             </a:r>
           </a:p>
@@ -2353,12 +2686,101 @@
           </a:p>
         </p:txBody>
       </p:sp>
+      <p:sp>
+        <p:nvSpPr>
+          <p:cNvPr id="12" name="Rectangle 11"/>
+          <p:cNvSpPr/>
+          <p:nvPr/>
+        </p:nvSpPr>
+        <p:spPr bwMode="invGray">
+          <a:xfrm>
+            <a:off x="2855737" y="0"/>
+            <a:ext cx="45720" cy="1453896"/>
+          </a:xfrm>
+          <a:prstGeom prst="rect">
+            <a:avLst/>
+          </a:prstGeom>
+          <a:solidFill>
+            <a:srgbClr val="FFFFFF"/>
+          </a:solidFill>
+          <a:ln w="48000" cap="flat" cmpd="thickThin" algn="ctr">
+            <a:noFill/>
+            <a:prstDash val="solid"/>
+          </a:ln>
+        </p:spPr>
+        <p:style>
+          <a:lnRef idx="2">
+            <a:schemeClr val="accent1"/>
+          </a:lnRef>
+          <a:fillRef idx="1">
+            <a:schemeClr val="accent1"/>
+          </a:fillRef>
+          <a:effectRef idx="0">
+            <a:schemeClr val="accent1"/>
+          </a:effectRef>
+          <a:fontRef idx="minor">
+            <a:schemeClr val="lt1"/>
+          </a:fontRef>
+        </p:style>
+        <p:txBody>
+          <a:bodyPr rtlCol="0" anchor="ctr"/>
+          <a:lstStyle>
+            <a:extLst/>
+          </a:lstStyle>
+          <a:p>
+            <a:pPr algn="ctr" eaLnBrk="1" latinLnBrk="0" hangingPunct="1"/>
+            <a:endParaRPr kumimoji="0" lang="en-US"/>
+          </a:p>
+        </p:txBody>
+      </p:sp>
+      <p:sp>
+        <p:nvSpPr>
+          <p:cNvPr id="9" name="Rectangle 8"/>
+          <p:cNvSpPr/>
+          <p:nvPr/>
+        </p:nvSpPr>
+        <p:spPr bwMode="invGray">
+          <a:xfrm>
+            <a:off x="2855737" y="0"/>
+            <a:ext cx="45720" cy="1453896"/>
+          </a:xfrm>
+          <a:prstGeom prst="rect">
+            <a:avLst/>
+          </a:prstGeom>
+          <a:solidFill>
+            <a:srgbClr val="FFFFFF"/>
+          </a:solidFill>
+          <a:ln w="48000" cap="flat" cmpd="thickThin" algn="ctr">
+            <a:noFill/>
+            <a:prstDash val="solid"/>
+          </a:ln>
+        </p:spPr>
+        <p:style>
+          <a:lnRef idx="2">
+            <a:schemeClr val="accent1"/>
+          </a:lnRef>
+          <a:fillRef idx="1">
+            <a:schemeClr val="accent1"/>
+          </a:fillRef>
+          <a:effectRef idx="0">
+            <a:schemeClr val="accent1"/>
+          </a:effectRef>
+          <a:fontRef idx="minor">
+            <a:schemeClr val="lt1"/>
+          </a:fontRef>
+        </p:style>
+        <p:txBody>
+          <a:bodyPr rtlCol="0" anchor="ctr"/>
+          <a:lstStyle>
+            <a:extLst/>
+          </a:lstStyle>
+          <a:p>
+            <a:pPr algn="ctr" eaLnBrk="1" latinLnBrk="0" hangingPunct="1"/>
+            <a:endParaRPr kumimoji="0" lang="en-US"/>
+          </a:p>
+        </p:txBody>
+      </p:sp>
     </p:spTree>
-    <p:extLst>
-      <p:ext uri="{BB962C8B-B14F-4D97-AF65-F5344CB8AC3E}">
-        <p14:creationId xmlns:p14="http://schemas.microsoft.com/office/powerpoint/2010/main" xmlns="" val="3479020007"/>
-      </p:ext>
-    </p:extLst>
   </p:cSld>
   <p:clrMapOvr>
     <a:masterClrMapping/>
@@ -2369,6 +2791,11 @@
 <file path=ppt/slideLayouts/slideLayout9.xml><?xml version="1.0" encoding="utf-8"?>
 <p:sldLayout xmlns:a="http://schemas.openxmlformats.org/drawingml/2006/main" xmlns:r="http://schemas.openxmlformats.org/officeDocument/2006/relationships" xmlns:p="http://schemas.openxmlformats.org/presentationml/2006/main" type="picTx" preserve="1">
   <p:cSld name="Image avec légende">
+    <p:bg>
+      <p:bgRef idx="1001">
+        <a:schemeClr val="bg2"/>
+      </p:bgRef>
+    </p:bg>
     <p:spTree>
       <p:nvGrpSpPr>
         <p:cNvPr id="1" name=""/>
@@ -2395,23 +2822,26 @@
         </p:nvSpPr>
         <p:spPr>
           <a:xfrm>
-            <a:off x="1792288" y="4800600"/>
-            <a:ext cx="5486400" cy="566738"/>
+            <a:off x="164592" y="155448"/>
+            <a:ext cx="2525150" cy="978408"/>
           </a:xfrm>
         </p:spPr>
         <p:txBody>
-          <a:bodyPr anchor="b"/>
+          <a:bodyPr lIns="73152" bIns="0" anchor="b">
+            <a:sp3d prstMaterial="matte"/>
+          </a:bodyPr>
           <a:lstStyle>
             <a:lvl1pPr algn="l">
-              <a:defRPr sz="2000" b="1"/>
+              <a:defRPr sz="2000" b="0"/>
             </a:lvl1pPr>
+            <a:extLst/>
           </a:lstStyle>
           <a:p>
             <a:r>
-              <a:rPr lang="fr-FR" smtClean="0"/>
+              <a:rPr kumimoji="0" lang="fr-FR" smtClean="0"/>
               <a:t>Modifiez le style du titre</a:t>
             </a:r>
-            <a:endParaRPr lang="fr-CA"/>
+            <a:endParaRPr kumimoji="0" lang="en-US"/>
           </a:p>
         </p:txBody>
       </p:sp>
@@ -2427,9 +2857,14 @@
         </p:nvSpPr>
         <p:spPr>
           <a:xfrm>
-            <a:off x="1792288" y="612775"/>
-            <a:ext cx="5486400" cy="4114800"/>
+            <a:off x="2903805" y="1484808"/>
+            <a:ext cx="6247397" cy="5373192"/>
           </a:xfrm>
+          <a:solidFill>
+            <a:schemeClr val="bg2">
+              <a:shade val="75000"/>
+            </a:schemeClr>
+          </a:solidFill>
         </p:spPr>
         <p:txBody>
           <a:bodyPr/>
@@ -2470,9 +2905,14 @@
               <a:buNone/>
               <a:defRPr sz="2000"/>
             </a:lvl9pPr>
+            <a:extLst/>
           </a:lstStyle>
           <a:p>
-            <a:endParaRPr lang="fr-CA"/>
+            <a:r>
+              <a:rPr kumimoji="0" lang="fr-FR" smtClean="0"/>
+              <a:t>Cliquez sur l'icône pour ajouter une image</a:t>
+            </a:r>
+            <a:endParaRPr kumimoji="0" lang="en-US" dirty="0"/>
           </a:p>
         </p:txBody>
       </p:sp>
@@ -2488,8 +2928,8 @@
         </p:nvSpPr>
         <p:spPr>
           <a:xfrm>
-            <a:off x="1792288" y="5367338"/>
-            <a:ext cx="5486400" cy="804862"/>
+            <a:off x="164592" y="1728216"/>
+            <a:ext cx="2468880" cy="4572000"/>
           </a:xfrm>
         </p:spPr>
         <p:txBody>
@@ -2531,11 +2971,12 @@
               <a:buNone/>
               <a:defRPr sz="900"/>
             </a:lvl9pPr>
+            <a:extLst/>
           </a:lstStyle>
           <a:p>
-            <a:pPr lvl="0"/>
-            <a:r>
-              <a:rPr lang="fr-FR" smtClean="0"/>
+            <a:pPr lvl="0" eaLnBrk="1" latinLnBrk="0" hangingPunct="1"/>
+            <a:r>
+              <a:rPr kumimoji="0" lang="fr-FR" smtClean="0"/>
               <a:t>Modifiez les styles du texte du masque</a:t>
             </a:r>
           </a:p>
@@ -2551,7 +2992,12 @@
             <p:ph type="dt" sz="half" idx="10"/>
           </p:nvPr>
         </p:nvSpPr>
-        <p:spPr/>
+        <p:spPr>
+          <a:xfrm>
+            <a:off x="164592" y="1170432"/>
+            <a:ext cx="2523744" cy="201168"/>
+          </a:xfrm>
+        </p:spPr>
         <p:txBody>
           <a:bodyPr/>
           <a:lstStyle/>
@@ -2567,6 +3013,100 @@
       </p:sp>
       <p:sp>
         <p:nvSpPr>
+          <p:cNvPr id="11" name="Rectangle 10"/>
+          <p:cNvSpPr/>
+          <p:nvPr/>
+        </p:nvSpPr>
+        <p:spPr>
+          <a:xfrm>
+            <a:off x="2855737" y="0"/>
+            <a:ext cx="45720" cy="6858000"/>
+          </a:xfrm>
+          <a:prstGeom prst="rect">
+            <a:avLst/>
+          </a:prstGeom>
+          <a:solidFill>
+            <a:srgbClr val="FFFFFF"/>
+          </a:solidFill>
+          <a:ln w="48000" cap="flat" cmpd="thickThin" algn="ctr">
+            <a:noFill/>
+            <a:prstDash val="solid"/>
+          </a:ln>
+        </p:spPr>
+        <p:style>
+          <a:lnRef idx="2">
+            <a:schemeClr val="accent1"/>
+          </a:lnRef>
+          <a:fillRef idx="1">
+            <a:schemeClr val="accent1"/>
+          </a:fillRef>
+          <a:effectRef idx="0">
+            <a:schemeClr val="accent1"/>
+          </a:effectRef>
+          <a:fontRef idx="minor">
+            <a:schemeClr val="lt1"/>
+          </a:fontRef>
+        </p:style>
+        <p:txBody>
+          <a:bodyPr rtlCol="0" anchor="ctr"/>
+          <a:lstStyle>
+            <a:extLst/>
+          </a:lstStyle>
+          <a:p>
+            <a:pPr algn="ctr" eaLnBrk="1" latinLnBrk="0" hangingPunct="1"/>
+            <a:endParaRPr kumimoji="0" lang="en-US"/>
+          </a:p>
+        </p:txBody>
+      </p:sp>
+      <p:sp>
+        <p:nvSpPr>
+          <p:cNvPr id="9" name="Rectangle 8"/>
+          <p:cNvSpPr/>
+          <p:nvPr/>
+        </p:nvSpPr>
+        <p:spPr bwMode="invGray">
+          <a:xfrm>
+            <a:off x="2855737" y="0"/>
+            <a:ext cx="45720" cy="6858000"/>
+          </a:xfrm>
+          <a:prstGeom prst="rect">
+            <a:avLst/>
+          </a:prstGeom>
+          <a:solidFill>
+            <a:srgbClr val="FFFFFF"/>
+          </a:solidFill>
+          <a:ln w="48000" cap="flat" cmpd="thickThin" algn="ctr">
+            <a:noFill/>
+            <a:prstDash val="solid"/>
+          </a:ln>
+        </p:spPr>
+        <p:style>
+          <a:lnRef idx="2">
+            <a:schemeClr val="accent1"/>
+          </a:lnRef>
+          <a:fillRef idx="1">
+            <a:schemeClr val="accent1"/>
+          </a:fillRef>
+          <a:effectRef idx="0">
+            <a:schemeClr val="accent1"/>
+          </a:effectRef>
+          <a:fontRef idx="minor">
+            <a:schemeClr val="lt1"/>
+          </a:fontRef>
+        </p:style>
+        <p:txBody>
+          <a:bodyPr rtlCol="0" anchor="ctr"/>
+          <a:lstStyle>
+            <a:extLst/>
+          </a:lstStyle>
+          <a:p>
+            <a:pPr algn="ctr" eaLnBrk="1" latinLnBrk="0" hangingPunct="1"/>
+            <a:endParaRPr kumimoji="0" lang="en-US"/>
+          </a:p>
+        </p:txBody>
+      </p:sp>
+      <p:sp>
+        <p:nvSpPr>
           <p:cNvPr id="6" name="Espace réservé du pied de page 5"/>
           <p:cNvSpPr>
             <a:spLocks noGrp="1"/>
@@ -2575,10 +3115,25 @@
             <p:ph type="ftr" sz="quarter" idx="11"/>
           </p:nvPr>
         </p:nvSpPr>
-        <p:spPr/>
+        <p:spPr>
+          <a:xfrm>
+            <a:off x="3035808" y="1170432"/>
+            <a:ext cx="5193792" cy="201168"/>
+          </a:xfrm>
+        </p:spPr>
         <p:txBody>
           <a:bodyPr/>
-          <a:lstStyle/>
+          <a:lstStyle>
+            <a:lvl1pPr>
+              <a:defRPr>
+                <a:solidFill>
+                  <a:schemeClr val="bg1">
+                    <a:shade val="50000"/>
+                  </a:schemeClr>
+                </a:solidFill>
+              </a:defRPr>
+            </a:lvl1pPr>
+          </a:lstStyle>
           <a:p>
             <a:endParaRPr lang="en-US"/>
           </a:p>
@@ -2594,7 +3149,12 @@
             <p:ph type="sldNum" sz="quarter" idx="12"/>
           </p:nvPr>
         </p:nvSpPr>
-        <p:spPr/>
+        <p:spPr>
+          <a:xfrm>
+            <a:off x="8339328" y="1170432"/>
+            <a:ext cx="733864" cy="201168"/>
+          </a:xfrm>
+        </p:spPr>
         <p:txBody>
           <a:bodyPr/>
           <a:lstStyle/>
@@ -2609,14 +3169,9 @@
         </p:txBody>
       </p:sp>
     </p:spTree>
-    <p:extLst>
-      <p:ext uri="{BB962C8B-B14F-4D97-AF65-F5344CB8AC3E}">
-        <p14:creationId xmlns:p14="http://schemas.microsoft.com/office/powerpoint/2010/main" xmlns="" val="534696512"/>
-      </p:ext>
-    </p:extLst>
   </p:cSld>
   <p:clrMapOvr>
-    <a:masterClrMapping/>
+    <a:overrideClrMapping bg1="lt1" tx1="dk1" bg2="lt2" tx2="dk2" accent1="accent1" accent2="accent2" accent3="accent3" accent4="accent4" accent5="accent5" accent6="accent6" hlink="hlink" folHlink="folHlink"/>
   </p:clrMapOvr>
 </p:sldLayout>
 </file>
@@ -2645,6 +3200,107 @@
       </p:grpSpPr>
       <p:sp>
         <p:nvSpPr>
+          <p:cNvPr id="10" name="Rectangle 9"/>
+          <p:cNvSpPr/>
+          <p:nvPr/>
+        </p:nvSpPr>
+        <p:spPr bwMode="invGray">
+          <a:xfrm>
+            <a:off x="0" y="1435895"/>
+            <a:ext cx="9144000" cy="45720"/>
+          </a:xfrm>
+          <a:prstGeom prst="rect">
+            <a:avLst/>
+          </a:prstGeom>
+          <a:solidFill>
+            <a:srgbClr val="FFFFFF"/>
+          </a:solidFill>
+          <a:ln w="48000" cap="flat" cmpd="thickThin" algn="ctr">
+            <a:noFill/>
+            <a:prstDash val="solid"/>
+          </a:ln>
+          <a:effectLst>
+            <a:outerShdw blurRad="31750" dist="10160" dir="5400000" algn="tl" rotWithShape="0">
+              <a:srgbClr val="000000">
+                <a:alpha val="60000"/>
+              </a:srgbClr>
+            </a:outerShdw>
+          </a:effectLst>
+        </p:spPr>
+        <p:style>
+          <a:lnRef idx="2">
+            <a:schemeClr val="accent1"/>
+          </a:lnRef>
+          <a:fillRef idx="1">
+            <a:schemeClr val="accent1"/>
+          </a:fillRef>
+          <a:effectRef idx="0">
+            <a:schemeClr val="accent1"/>
+          </a:effectRef>
+          <a:fontRef idx="minor">
+            <a:schemeClr val="lt1"/>
+          </a:fontRef>
+        </p:style>
+        <p:txBody>
+          <a:bodyPr rtlCol="0" anchor="ctr"/>
+          <a:lstStyle>
+            <a:extLst/>
+          </a:lstStyle>
+          <a:p>
+            <a:pPr algn="ctr" eaLnBrk="1" latinLnBrk="0" hangingPunct="1"/>
+            <a:endParaRPr kumimoji="0" lang="en-US"/>
+          </a:p>
+        </p:txBody>
+      </p:sp>
+      <p:sp>
+        <p:nvSpPr>
+          <p:cNvPr id="7" name="Rectangle 6"/>
+          <p:cNvSpPr/>
+          <p:nvPr/>
+        </p:nvSpPr>
+        <p:spPr bwMode="ltGray">
+          <a:xfrm>
+            <a:off x="0" y="0"/>
+            <a:ext cx="9143999" cy="1433733"/>
+          </a:xfrm>
+          <a:prstGeom prst="rect">
+            <a:avLst/>
+          </a:prstGeom>
+          <a:solidFill>
+            <a:srgbClr val="000000"/>
+          </a:solidFill>
+          <a:ln w="48000" cap="flat" cmpd="thickThin" algn="ctr">
+            <a:noFill/>
+            <a:prstDash val="solid"/>
+          </a:ln>
+        </p:spPr>
+        <p:style>
+          <a:lnRef idx="2">
+            <a:schemeClr val="accent1"/>
+          </a:lnRef>
+          <a:fillRef idx="1">
+            <a:schemeClr val="accent1"/>
+          </a:fillRef>
+          <a:effectRef idx="0">
+            <a:schemeClr val="accent1"/>
+          </a:effectRef>
+          <a:fontRef idx="minor">
+            <a:schemeClr val="lt1"/>
+          </a:fontRef>
+        </p:style>
+        <p:txBody>
+          <a:bodyPr rtlCol="0" anchor="ctr"/>
+          <a:lstStyle>
+            <a:extLst/>
+          </a:lstStyle>
+          <a:p>
+            <a:pPr algn="ctr" eaLnBrk="1" latinLnBrk="0" hangingPunct="1"/>
+            <a:endParaRPr kumimoji="0" lang="en-US"/>
+          </a:p>
+        </p:txBody>
+      </p:sp>
+      <p:sp>
+        <p:nvSpPr>
           <p:cNvPr id="2" name="Espace réservé du titre 1"/>
           <p:cNvSpPr>
             <a:spLocks noGrp="1"/>
@@ -2655,24 +3311,35 @@
         </p:nvSpPr>
         <p:spPr>
           <a:xfrm>
-            <a:off x="457200" y="274638"/>
-            <a:ext cx="8229600" cy="1143000"/>
+            <a:off x="457200" y="152400"/>
+            <a:ext cx="8229600" cy="1251062"/>
           </a:xfrm>
           <a:prstGeom prst="rect">
             <a:avLst/>
           </a:prstGeom>
         </p:spPr>
         <p:txBody>
-          <a:bodyPr vert="horz" lIns="91440" tIns="45720" rIns="91440" bIns="45720" rtlCol="0" anchor="ctr">
+          <a:bodyPr vert="horz" lIns="91440" rIns="45720" rtlCol="0" anchor="ctr">
             <a:normAutofit/>
+            <a:scene3d>
+              <a:camera prst="orthographicFront"/>
+              <a:lightRig rig="threePt" dir="t">
+                <a:rot lat="0" lon="0" rev="4800000"/>
+              </a:lightRig>
+            </a:scene3d>
+            <a:sp3d prstMaterial="matte">
+              <a:bevelT w="50800" h="10160"/>
+            </a:sp3d>
           </a:bodyPr>
-          <a:lstStyle/>
-          <a:p>
-            <a:r>
-              <a:rPr lang="fr-FR" smtClean="0"/>
+          <a:lstStyle>
+            <a:extLst/>
+          </a:lstStyle>
+          <a:p>
+            <a:r>
+              <a:rPr kumimoji="0" lang="fr-FR" smtClean="0"/>
               <a:t>Modifiez le style du titre</a:t>
             </a:r>
-            <a:endParaRPr lang="fr-CA"/>
+            <a:endParaRPr kumimoji="0" lang="en-US"/>
           </a:p>
         </p:txBody>
       </p:sp>
@@ -2688,53 +3355,55 @@
         </p:nvSpPr>
         <p:spPr>
           <a:xfrm>
-            <a:off x="457200" y="1600200"/>
-            <a:ext cx="8229600" cy="4525963"/>
+            <a:off x="457200" y="1775191"/>
+            <a:ext cx="8229600" cy="4625609"/>
           </a:xfrm>
           <a:prstGeom prst="rect">
             <a:avLst/>
           </a:prstGeom>
         </p:spPr>
         <p:txBody>
-          <a:bodyPr vert="horz" lIns="91440" tIns="45720" rIns="91440" bIns="45720" rtlCol="0">
+          <a:bodyPr vert="horz" lIns="54864" tIns="91440" rtlCol="0">
             <a:normAutofit/>
           </a:bodyPr>
-          <a:lstStyle/>
-          <a:p>
-            <a:pPr lvl="0"/>
-            <a:r>
-              <a:rPr lang="fr-FR" smtClean="0"/>
+          <a:lstStyle>
+            <a:extLst/>
+          </a:lstStyle>
+          <a:p>
+            <a:pPr lvl="0" eaLnBrk="1" latinLnBrk="0" hangingPunct="1"/>
+            <a:r>
+              <a:rPr kumimoji="0" lang="fr-FR" smtClean="0"/>
               <a:t>Modifiez les styles du texte du masque</a:t>
             </a:r>
           </a:p>
           <a:p>
-            <a:pPr lvl="1"/>
-            <a:r>
-              <a:rPr lang="fr-FR" smtClean="0"/>
+            <a:pPr lvl="1" eaLnBrk="1" latinLnBrk="0" hangingPunct="1"/>
+            <a:r>
+              <a:rPr kumimoji="0" lang="fr-FR" smtClean="0"/>
               <a:t>Deuxième niveau</a:t>
             </a:r>
           </a:p>
           <a:p>
-            <a:pPr lvl="2"/>
-            <a:r>
-              <a:rPr lang="fr-FR" smtClean="0"/>
+            <a:pPr lvl="2" eaLnBrk="1" latinLnBrk="0" hangingPunct="1"/>
+            <a:r>
+              <a:rPr kumimoji="0" lang="fr-FR" smtClean="0"/>
               <a:t>Troisième niveau</a:t>
             </a:r>
           </a:p>
           <a:p>
-            <a:pPr lvl="3"/>
-            <a:r>
-              <a:rPr lang="fr-FR" smtClean="0"/>
+            <a:pPr lvl="3" eaLnBrk="1" latinLnBrk="0" hangingPunct="1"/>
+            <a:r>
+              <a:rPr kumimoji="0" lang="fr-FR" smtClean="0"/>
               <a:t>Quatrième niveau</a:t>
             </a:r>
           </a:p>
           <a:p>
-            <a:pPr lvl="4"/>
-            <a:r>
-              <a:rPr lang="fr-FR" smtClean="0"/>
+            <a:pPr lvl="4" eaLnBrk="1" latinLnBrk="0" hangingPunct="1"/>
+            <a:r>
+              <a:rPr kumimoji="0" lang="fr-FR" smtClean="0"/>
               <a:t>Cinquième niveau</a:t>
             </a:r>
-            <a:endParaRPr lang="fr-CA"/>
+            <a:endParaRPr kumimoji="0" lang="en-US"/>
           </a:p>
         </p:txBody>
       </p:sp>
@@ -2750,25 +3419,26 @@
         </p:nvSpPr>
         <p:spPr>
           <a:xfrm>
-            <a:off x="457200" y="6356350"/>
-            <a:ext cx="2133600" cy="365125"/>
+            <a:off x="457200" y="6476999"/>
+            <a:ext cx="2133600" cy="274320"/>
           </a:xfrm>
           <a:prstGeom prst="rect">
             <a:avLst/>
           </a:prstGeom>
         </p:spPr>
         <p:txBody>
-          <a:bodyPr vert="horz" lIns="91440" tIns="45720" rIns="91440" bIns="45720" rtlCol="0" anchor="ctr"/>
+          <a:bodyPr vert="horz" lIns="109728" rIns="45720" bIns="0" rtlCol="0" anchor="b"/>
           <a:lstStyle>
-            <a:lvl1pPr algn="l">
-              <a:defRPr sz="1200">
+            <a:lvl1pPr algn="l" eaLnBrk="1" latinLnBrk="0" hangingPunct="1">
+              <a:defRPr kumimoji="0" sz="1200">
                 <a:solidFill>
                   <a:schemeClr val="tx1">
-                    <a:tint val="75000"/>
+                    <a:tint val="95000"/>
                   </a:schemeClr>
                 </a:solidFill>
               </a:defRPr>
             </a:lvl1pPr>
+            <a:extLst/>
           </a:lstStyle>
           <a:p>
             <a:fld id="{6AA59CE8-3A6B-4C86-B07E-BF7B5BAADB44}" type="datetimeFigureOut">
@@ -2792,25 +3462,26 @@
         </p:nvSpPr>
         <p:spPr>
           <a:xfrm>
-            <a:off x="3124200" y="6356350"/>
-            <a:ext cx="2895600" cy="365125"/>
+            <a:off x="2640596" y="6476999"/>
+            <a:ext cx="5507719" cy="274320"/>
           </a:xfrm>
           <a:prstGeom prst="rect">
             <a:avLst/>
           </a:prstGeom>
         </p:spPr>
         <p:txBody>
-          <a:bodyPr vert="horz" lIns="91440" tIns="45720" rIns="91440" bIns="45720" rtlCol="0" anchor="ctr"/>
+          <a:bodyPr vert="horz" lIns="45720" rIns="45720" bIns="0" rtlCol="0" anchor="b"/>
           <a:lstStyle>
-            <a:lvl1pPr algn="ctr">
-              <a:defRPr sz="1200">
+            <a:lvl1pPr algn="l" eaLnBrk="1" latinLnBrk="0" hangingPunct="1">
+              <a:defRPr kumimoji="0" sz="1200">
                 <a:solidFill>
                   <a:schemeClr val="tx1">
-                    <a:tint val="75000"/>
+                    <a:tint val="95000"/>
                   </a:schemeClr>
                 </a:solidFill>
               </a:defRPr>
             </a:lvl1pPr>
+            <a:extLst/>
           </a:lstStyle>
           <a:p>
             <a:endParaRPr lang="en-US"/>
@@ -2829,25 +3500,26 @@
         </p:nvSpPr>
         <p:spPr>
           <a:xfrm>
-            <a:off x="6553200" y="6356350"/>
-            <a:ext cx="2133600" cy="365125"/>
+            <a:off x="8204396" y="6476999"/>
+            <a:ext cx="733864" cy="274320"/>
           </a:xfrm>
           <a:prstGeom prst="rect">
             <a:avLst/>
           </a:prstGeom>
         </p:spPr>
         <p:txBody>
-          <a:bodyPr vert="horz" lIns="91440" tIns="45720" rIns="91440" bIns="45720" rtlCol="0" anchor="ctr"/>
+          <a:bodyPr vert="horz" bIns="0" rtlCol="0" anchor="b"/>
           <a:lstStyle>
-            <a:lvl1pPr algn="r">
-              <a:defRPr sz="1200">
+            <a:lvl1pPr algn="r" eaLnBrk="1" latinLnBrk="0" hangingPunct="1">
+              <a:defRPr kumimoji="0" sz="1200">
                 <a:solidFill>
                   <a:schemeClr val="tx1">
-                    <a:tint val="75000"/>
+                    <a:tint val="95000"/>
                   </a:schemeClr>
                 </a:solidFill>
               </a:defRPr>
             </a:lvl1pPr>
+            <a:extLst/>
           </a:lstStyle>
           <a:p>
             <a:fld id="{BA2ACE14-1680-4BCB-A9E8-5B7B4F407520}" type="slidenum">
@@ -2860,51 +3532,54 @@
         </p:txBody>
       </p:sp>
     </p:spTree>
-    <p:extLst>
-      <p:ext uri="{BB962C8B-B14F-4D97-AF65-F5344CB8AC3E}">
-        <p14:creationId xmlns:p14="http://schemas.microsoft.com/office/powerpoint/2010/main" xmlns="" val="1292442561"/>
-      </p:ext>
-    </p:extLst>
   </p:cSld>
   <p:clrMap bg1="lt1" tx1="dk1" bg2="lt2" tx2="dk2" accent1="accent1" accent2="accent2" accent3="accent3" accent4="accent4" accent5="accent5" accent6="accent6" hlink="hlink" folHlink="folHlink"/>
   <p:sldLayoutIdLst>
-    <p:sldLayoutId id="2147483733" r:id="rId1"/>
-    <p:sldLayoutId id="2147483734" r:id="rId2"/>
-    <p:sldLayoutId id="2147483735" r:id="rId3"/>
-    <p:sldLayoutId id="2147483736" r:id="rId4"/>
-    <p:sldLayoutId id="2147483737" r:id="rId5"/>
-    <p:sldLayoutId id="2147483738" r:id="rId6"/>
-    <p:sldLayoutId id="2147483739" r:id="rId7"/>
-    <p:sldLayoutId id="2147483740" r:id="rId8"/>
-    <p:sldLayoutId id="2147483741" r:id="rId9"/>
-    <p:sldLayoutId id="2147483742" r:id="rId10"/>
-    <p:sldLayoutId id="2147483743" r:id="rId11"/>
+    <p:sldLayoutId id="2147483937" r:id="rId1"/>
+    <p:sldLayoutId id="2147483938" r:id="rId2"/>
+    <p:sldLayoutId id="2147483939" r:id="rId3"/>
+    <p:sldLayoutId id="2147483940" r:id="rId4"/>
+    <p:sldLayoutId id="2147483941" r:id="rId5"/>
+    <p:sldLayoutId id="2147483942" r:id="rId6"/>
+    <p:sldLayoutId id="2147483943" r:id="rId7"/>
+    <p:sldLayoutId id="2147483944" r:id="rId8"/>
+    <p:sldLayoutId id="2147483945" r:id="rId9"/>
+    <p:sldLayoutId id="2147483946" r:id="rId10"/>
+    <p:sldLayoutId id="2147483947" r:id="rId11"/>
   </p:sldLayoutIdLst>
   <p:txStyles>
     <p:titleStyle>
-      <a:lvl1pPr algn="ctr" defTabSz="914400" rtl="0" eaLnBrk="1" latinLnBrk="0" hangingPunct="1">
+      <a:lvl1pPr algn="l" rtl="0" eaLnBrk="1" latinLnBrk="0" hangingPunct="1">
         <a:spcBef>
           <a:spcPct val="0"/>
         </a:spcBef>
         <a:buNone/>
-        <a:defRPr sz="4400" kern="1200">
+        <a:defRPr kumimoji="0" sz="4500" b="1" kern="1200">
           <a:solidFill>
-            <a:schemeClr val="tx1"/>
+            <a:schemeClr val="accent1">
+              <a:satMod val="150000"/>
+            </a:schemeClr>
           </a:solidFill>
+          <a:effectLst/>
           <a:latin typeface="+mj-lt"/>
           <a:ea typeface="+mj-ea"/>
           <a:cs typeface="+mj-cs"/>
         </a:defRPr>
       </a:lvl1pPr>
+      <a:extLst/>
     </p:titleStyle>
     <p:bodyStyle>
-      <a:lvl1pPr marL="342900" indent="-342900" algn="l" defTabSz="914400" rtl="0" eaLnBrk="1" latinLnBrk="0" hangingPunct="1">
+      <a:lvl1pPr marL="438912" indent="-320040" algn="l" rtl="0" eaLnBrk="1" latinLnBrk="0" hangingPunct="1">
         <a:spcBef>
-          <a:spcPct val="20000"/>
+          <a:spcPts val="0"/>
         </a:spcBef>
-        <a:buFont typeface="Arial" panose="020B0604020202020204" pitchFamily="34" charset="0"/>
-        <a:buChar char="•"/>
-        <a:defRPr sz="3200" kern="1200">
+        <a:buClr>
+          <a:schemeClr val="accent1"/>
+        </a:buClr>
+        <a:buSzPct val="80000"/>
+        <a:buFont typeface="Wingdings 2"/>
+        <a:buChar char=""/>
+        <a:defRPr kumimoji="0" sz="3200" kern="1200">
           <a:solidFill>
             <a:schemeClr val="tx1"/>
           </a:solidFill>
@@ -2913,13 +3588,17 @@
           <a:cs typeface="+mn-cs"/>
         </a:defRPr>
       </a:lvl1pPr>
-      <a:lvl2pPr marL="742950" indent="-285750" algn="l" defTabSz="914400" rtl="0" eaLnBrk="1" latinLnBrk="0" hangingPunct="1">
+      <a:lvl2pPr marL="731520" indent="-274320" algn="l" rtl="0" eaLnBrk="1" latinLnBrk="0" hangingPunct="1">
         <a:spcBef>
           <a:spcPct val="20000"/>
         </a:spcBef>
-        <a:buFont typeface="Arial" panose="020B0604020202020204" pitchFamily="34" charset="0"/>
-        <a:buChar char="–"/>
-        <a:defRPr sz="2800" kern="1200">
+        <a:buClr>
+          <a:schemeClr val="accent2"/>
+        </a:buClr>
+        <a:buSzPct val="90000"/>
+        <a:buFont typeface="Wingdings"/>
+        <a:buChar char=""/>
+        <a:defRPr kumimoji="0" sz="2800" kern="1200">
           <a:solidFill>
             <a:schemeClr val="tx1"/>
           </a:solidFill>
@@ -2928,13 +3607,16 @@
           <a:cs typeface="+mn-cs"/>
         </a:defRPr>
       </a:lvl2pPr>
-      <a:lvl3pPr marL="1143000" indent="-228600" algn="l" defTabSz="914400" rtl="0" eaLnBrk="1" latinLnBrk="0" hangingPunct="1">
+      <a:lvl3pPr marL="996696" indent="-228600" algn="l" rtl="0" eaLnBrk="1" latinLnBrk="0" hangingPunct="1">
         <a:spcBef>
           <a:spcPct val="20000"/>
         </a:spcBef>
-        <a:buFont typeface="Arial" panose="020B0604020202020204" pitchFamily="34" charset="0"/>
-        <a:buChar char="•"/>
-        <a:defRPr sz="2400" kern="1200">
+        <a:buClr>
+          <a:schemeClr val="accent3"/>
+        </a:buClr>
+        <a:buFont typeface="Arial"/>
+        <a:buChar char="▪"/>
+        <a:defRPr kumimoji="0" sz="2400" kern="1200">
           <a:solidFill>
             <a:schemeClr val="tx1"/>
           </a:solidFill>
@@ -2943,13 +3625,16 @@
           <a:cs typeface="+mn-cs"/>
         </a:defRPr>
       </a:lvl3pPr>
-      <a:lvl4pPr marL="1600200" indent="-228600" algn="l" defTabSz="914400" rtl="0" eaLnBrk="1" latinLnBrk="0" hangingPunct="1">
+      <a:lvl4pPr marL="1216152" indent="-182880" algn="l" rtl="0" eaLnBrk="1" latinLnBrk="0" hangingPunct="1">
         <a:spcBef>
           <a:spcPct val="20000"/>
         </a:spcBef>
-        <a:buFont typeface="Arial" panose="020B0604020202020204" pitchFamily="34" charset="0"/>
-        <a:buChar char="–"/>
-        <a:defRPr sz="2000" kern="1200">
+        <a:buClr>
+          <a:schemeClr val="accent4"/>
+        </a:buClr>
+        <a:buFont typeface="Arial"/>
+        <a:buChar char="▪"/>
+        <a:defRPr kumimoji="0" sz="2000" kern="1200">
           <a:solidFill>
             <a:schemeClr val="tx1"/>
           </a:solidFill>
@@ -2958,13 +3643,16 @@
           <a:cs typeface="+mn-cs"/>
         </a:defRPr>
       </a:lvl4pPr>
-      <a:lvl5pPr marL="2057400" indent="-228600" algn="l" defTabSz="914400" rtl="0" eaLnBrk="1" latinLnBrk="0" hangingPunct="1">
+      <a:lvl5pPr marL="1426464" indent="-182880" algn="l" rtl="0" eaLnBrk="1" latinLnBrk="0" hangingPunct="1">
         <a:spcBef>
           <a:spcPct val="20000"/>
         </a:spcBef>
-        <a:buFont typeface="Arial" panose="020B0604020202020204" pitchFamily="34" charset="0"/>
-        <a:buChar char="»"/>
-        <a:defRPr sz="2000" kern="1200">
+        <a:buClr>
+          <a:schemeClr val="accent5"/>
+        </a:buClr>
+        <a:buFont typeface="Wingdings 3"/>
+        <a:buChar char=""/>
+        <a:defRPr kumimoji="0" lang="en-US" sz="2000" kern="1200" smtClean="0">
           <a:solidFill>
             <a:schemeClr val="tx1"/>
           </a:solidFill>
@@ -2973,13 +3661,17 @@
           <a:cs typeface="+mn-cs"/>
         </a:defRPr>
       </a:lvl5pPr>
-      <a:lvl6pPr marL="2514600" indent="-228600" algn="l" defTabSz="914400" rtl="0" eaLnBrk="1" latinLnBrk="0" hangingPunct="1">
+      <a:lvl6pPr marL="1627632" indent="-182880" algn="l" rtl="0" eaLnBrk="1" latinLnBrk="0" hangingPunct="1">
         <a:spcBef>
           <a:spcPct val="20000"/>
         </a:spcBef>
-        <a:buFont typeface="Arial" panose="020B0604020202020204" pitchFamily="34" charset="0"/>
-        <a:buChar char="•"/>
-        <a:defRPr sz="2000" kern="1200">
+        <a:buClr>
+          <a:schemeClr val="accent6"/>
+        </a:buClr>
+        <a:buSzPct val="100000"/>
+        <a:buFont typeface="Wingdings 2"/>
+        <a:buChar char=""/>
+        <a:defRPr kumimoji="0" sz="2000" kern="1200">
           <a:solidFill>
             <a:schemeClr val="tx1"/>
           </a:solidFill>
@@ -2988,13 +3680,17 @@
           <a:cs typeface="+mn-cs"/>
         </a:defRPr>
       </a:lvl6pPr>
-      <a:lvl7pPr marL="2971800" indent="-228600" algn="l" defTabSz="914400" rtl="0" eaLnBrk="1" latinLnBrk="0" hangingPunct="1">
+      <a:lvl7pPr marL="1828800" indent="-182880" algn="l" rtl="0" eaLnBrk="1" latinLnBrk="0" hangingPunct="1">
         <a:spcBef>
           <a:spcPct val="20000"/>
         </a:spcBef>
-        <a:buFont typeface="Arial" panose="020B0604020202020204" pitchFamily="34" charset="0"/>
-        <a:buChar char="•"/>
-        <a:defRPr sz="2000" kern="1200">
+        <a:buClr>
+          <a:schemeClr val="accent1"/>
+        </a:buClr>
+        <a:buSzPct val="100000"/>
+        <a:buFont typeface="Wingdings 2"/>
+        <a:buChar char=""/>
+        <a:defRPr kumimoji="0" sz="1800" kern="1200">
           <a:solidFill>
             <a:schemeClr val="tx1"/>
           </a:solidFill>
@@ -3003,13 +3699,16 @@
           <a:cs typeface="+mn-cs"/>
         </a:defRPr>
       </a:lvl7pPr>
-      <a:lvl8pPr marL="3429000" indent="-228600" algn="l" defTabSz="914400" rtl="0" eaLnBrk="1" latinLnBrk="0" hangingPunct="1">
+      <a:lvl8pPr marL="2029968" indent="-182880" algn="l" rtl="0" eaLnBrk="1" latinLnBrk="0" hangingPunct="1">
         <a:spcBef>
           <a:spcPct val="20000"/>
         </a:spcBef>
-        <a:buFont typeface="Arial" panose="020B0604020202020204" pitchFamily="34" charset="0"/>
-        <a:buChar char="•"/>
-        <a:defRPr sz="2000" kern="1200">
+        <a:buClr>
+          <a:schemeClr val="accent2"/>
+        </a:buClr>
+        <a:buFont typeface="Wingdings 2" pitchFamily="18" charset="2"/>
+        <a:buChar char=""/>
+        <a:defRPr kumimoji="0" sz="1800" kern="1200">
           <a:solidFill>
             <a:schemeClr val="tx1"/>
           </a:solidFill>
@@ -3018,13 +3717,16 @@
           <a:cs typeface="+mn-cs"/>
         </a:defRPr>
       </a:lvl8pPr>
-      <a:lvl9pPr marL="3886200" indent="-228600" algn="l" defTabSz="914400" rtl="0" eaLnBrk="1" latinLnBrk="0" hangingPunct="1">
+      <a:lvl9pPr marL="2231136" indent="-182880" algn="l" rtl="0" eaLnBrk="1" latinLnBrk="0" hangingPunct="1">
         <a:spcBef>
           <a:spcPct val="20000"/>
         </a:spcBef>
-        <a:buFont typeface="Arial" panose="020B0604020202020204" pitchFamily="34" charset="0"/>
-        <a:buChar char="•"/>
-        <a:defRPr sz="2000" kern="1200">
+        <a:buClr>
+          <a:schemeClr val="accent3"/>
+        </a:buClr>
+        <a:buFont typeface="Wingdings 2" pitchFamily="18" charset="2"/>
+        <a:buChar char=""/>
+        <a:defRPr kumimoji="0" sz="1800" kern="1200" baseline="0">
           <a:solidFill>
             <a:schemeClr val="tx1"/>
           </a:solidFill>
@@ -3033,13 +3735,11 @@
           <a:cs typeface="+mn-cs"/>
         </a:defRPr>
       </a:lvl9pPr>
+      <a:extLst/>
     </p:bodyStyle>
     <p:otherStyle>
-      <a:defPPr>
-        <a:defRPr lang="fr-FR"/>
-      </a:defPPr>
-      <a:lvl1pPr marL="0" algn="l" defTabSz="914400" rtl="0" eaLnBrk="1" latinLnBrk="0" hangingPunct="1">
-        <a:defRPr sz="1800" kern="1200">
+      <a:lvl1pPr marL="0" algn="l" rtl="0" eaLnBrk="1" latinLnBrk="0" hangingPunct="1">
+        <a:defRPr kumimoji="0" kern="1200">
           <a:solidFill>
             <a:schemeClr val="tx1"/>
           </a:solidFill>
@@ -3048,8 +3748,8 @@
           <a:cs typeface="+mn-cs"/>
         </a:defRPr>
       </a:lvl1pPr>
-      <a:lvl2pPr marL="457200" algn="l" defTabSz="914400" rtl="0" eaLnBrk="1" latinLnBrk="0" hangingPunct="1">
-        <a:defRPr sz="1800" kern="1200">
+      <a:lvl2pPr marL="457200" algn="l" rtl="0" eaLnBrk="1" latinLnBrk="0" hangingPunct="1">
+        <a:defRPr kumimoji="0" kern="1200">
           <a:solidFill>
             <a:schemeClr val="tx1"/>
           </a:solidFill>
@@ -3058,8 +3758,8 @@
           <a:cs typeface="+mn-cs"/>
         </a:defRPr>
       </a:lvl2pPr>
-      <a:lvl3pPr marL="914400" algn="l" defTabSz="914400" rtl="0" eaLnBrk="1" latinLnBrk="0" hangingPunct="1">
-        <a:defRPr sz="1800" kern="1200">
+      <a:lvl3pPr marL="914400" algn="l" rtl="0" eaLnBrk="1" latinLnBrk="0" hangingPunct="1">
+        <a:defRPr kumimoji="0" kern="1200">
           <a:solidFill>
             <a:schemeClr val="tx1"/>
           </a:solidFill>
@@ -3068,8 +3768,8 @@
           <a:cs typeface="+mn-cs"/>
         </a:defRPr>
       </a:lvl3pPr>
-      <a:lvl4pPr marL="1371600" algn="l" defTabSz="914400" rtl="0" eaLnBrk="1" latinLnBrk="0" hangingPunct="1">
-        <a:defRPr sz="1800" kern="1200">
+      <a:lvl4pPr marL="1371600" algn="l" rtl="0" eaLnBrk="1" latinLnBrk="0" hangingPunct="1">
+        <a:defRPr kumimoji="0" kern="1200">
           <a:solidFill>
             <a:schemeClr val="tx1"/>
           </a:solidFill>
@@ -3078,8 +3778,8 @@
           <a:cs typeface="+mn-cs"/>
         </a:defRPr>
       </a:lvl4pPr>
-      <a:lvl5pPr marL="1828800" algn="l" defTabSz="914400" rtl="0" eaLnBrk="1" latinLnBrk="0" hangingPunct="1">
-        <a:defRPr sz="1800" kern="1200">
+      <a:lvl5pPr marL="1828800" algn="l" rtl="0" eaLnBrk="1" latinLnBrk="0" hangingPunct="1">
+        <a:defRPr kumimoji="0" kern="1200">
           <a:solidFill>
             <a:schemeClr val="tx1"/>
           </a:solidFill>
@@ -3088,8 +3788,8 @@
           <a:cs typeface="+mn-cs"/>
         </a:defRPr>
       </a:lvl5pPr>
-      <a:lvl6pPr marL="2286000" algn="l" defTabSz="914400" rtl="0" eaLnBrk="1" latinLnBrk="0" hangingPunct="1">
-        <a:defRPr sz="1800" kern="1200">
+      <a:lvl6pPr marL="2286000" algn="l" rtl="0" eaLnBrk="1" latinLnBrk="0" hangingPunct="1">
+        <a:defRPr kumimoji="0" kern="1200">
           <a:solidFill>
             <a:schemeClr val="tx1"/>
           </a:solidFill>
@@ -3098,8 +3798,8 @@
           <a:cs typeface="+mn-cs"/>
         </a:defRPr>
       </a:lvl6pPr>
-      <a:lvl7pPr marL="2743200" algn="l" defTabSz="914400" rtl="0" eaLnBrk="1" latinLnBrk="0" hangingPunct="1">
-        <a:defRPr sz="1800" kern="1200">
+      <a:lvl7pPr marL="2743200" algn="l" rtl="0" eaLnBrk="1" latinLnBrk="0" hangingPunct="1">
+        <a:defRPr kumimoji="0" kern="1200">
           <a:solidFill>
             <a:schemeClr val="tx1"/>
           </a:solidFill>
@@ -3108,8 +3808,8 @@
           <a:cs typeface="+mn-cs"/>
         </a:defRPr>
       </a:lvl7pPr>
-      <a:lvl8pPr marL="3200400" algn="l" defTabSz="914400" rtl="0" eaLnBrk="1" latinLnBrk="0" hangingPunct="1">
-        <a:defRPr sz="1800" kern="1200">
+      <a:lvl8pPr marL="3200400" algn="l" rtl="0" eaLnBrk="1" latinLnBrk="0" hangingPunct="1">
+        <a:defRPr kumimoji="0" kern="1200">
           <a:solidFill>
             <a:schemeClr val="tx1"/>
           </a:solidFill>
@@ -3118,8 +3818,8 @@
           <a:cs typeface="+mn-cs"/>
         </a:defRPr>
       </a:lvl8pPr>
-      <a:lvl9pPr marL="3657600" algn="l" defTabSz="914400" rtl="0" eaLnBrk="1" latinLnBrk="0" hangingPunct="1">
-        <a:defRPr sz="1800" kern="1200">
+      <a:lvl9pPr marL="3657600" algn="l" rtl="0" eaLnBrk="1" latinLnBrk="0" hangingPunct="1">
+        <a:defRPr kumimoji="0" kern="1200">
           <a:solidFill>
             <a:schemeClr val="tx1"/>
           </a:solidFill>
@@ -3128,6 +3828,7 @@
           <a:cs typeface="+mn-cs"/>
         </a:defRPr>
       </a:lvl9pPr>
+      <a:extLst/>
     </p:otherStyle>
   </p:txStyles>
 </p:sldMaster>
@@ -3287,6 +3988,7 @@
           </a:bodyPr>
           <a:lstStyle/>
           <a:p>
+            <a:pPr algn="ctr"/>
             <a:r>
               <a:rPr lang="fr-CA" dirty="0" smtClean="0"/>
               <a:t>Code C</a:t>
@@ -3478,6 +4180,7 @@
           </a:bodyPr>
           <a:lstStyle/>
           <a:p>
+            <a:pPr algn="ctr"/>
             <a:r>
               <a:rPr lang="fr-CA" dirty="0" smtClean="0"/>
               <a:t>Code C</a:t>
@@ -3558,7 +4261,11 @@
             </a:r>
             <a:r>
               <a:rPr lang="fr-CA" dirty="0" smtClean="0"/>
-              <a:t>: 50% vs C: 90% </a:t>
+              <a:t>: 50% vs C: 90</a:t>
+            </a:r>
+            <a:r>
+              <a:rPr lang="fr-CA" dirty="0" smtClean="0"/>
+              <a:t>%</a:t>
             </a:r>
             <a:endParaRPr lang="fr-CA" dirty="0" smtClean="0"/>
           </a:p>
@@ -3637,7 +4344,7 @@
         <p:spPr/>
         <p:txBody>
           <a:bodyPr>
-            <a:normAutofit fontScale="62500" lnSpcReduction="20000"/>
+            <a:normAutofit fontScale="70000" lnSpcReduction="20000"/>
           </a:bodyPr>
           <a:lstStyle/>
           <a:p>
@@ -3999,8 +4706,8 @@
         </p:blipFill>
         <p:spPr>
           <a:xfrm>
-            <a:off x="536349" y="1600200"/>
-            <a:ext cx="8071301" cy="4525963"/>
+            <a:off x="457200" y="1780448"/>
+            <a:ext cx="8229600" cy="4614728"/>
           </a:xfrm>
         </p:spPr>
       </p:pic>
@@ -4012,8 +4719,8 @@
         </p:nvSpPr>
         <p:spPr>
           <a:xfrm>
-            <a:off x="218440" y="6133981"/>
-            <a:ext cx="8686800" cy="800219"/>
+            <a:off x="381000" y="6324600"/>
+            <a:ext cx="8686800" cy="707886"/>
           </a:xfrm>
           <a:prstGeom prst="rect">
             <a:avLst/>
@@ -4027,30 +4734,30 @@
           <a:lstStyle/>
           <a:p>
             <a:r>
-              <a:rPr lang="fr-CA" sz="1400" dirty="0" smtClean="0"/>
+              <a:rPr lang="fr-CA" sz="1100" dirty="0" smtClean="0"/>
               <a:t>Source: </a:t>
             </a:r>
             <a:r>
-              <a:rPr lang="en-CA" sz="1400" dirty="0"/>
+              <a:rPr lang="en-CA" sz="1100" dirty="0"/>
               <a:t>Robert J. </a:t>
             </a:r>
             <a:r>
-              <a:rPr lang="en-CA" sz="1400" dirty="0" err="1"/>
+              <a:rPr lang="en-CA" sz="1100" dirty="0" err="1"/>
               <a:t>McAulay</a:t>
             </a:r>
             <a:r>
-              <a:rPr lang="en-CA" sz="1400" dirty="0"/>
+              <a:rPr lang="en-CA" sz="1100" dirty="0"/>
               <a:t> and Marilyn L. </a:t>
             </a:r>
             <a:r>
-              <a:rPr lang="en-CA" sz="1400" dirty="0" err="1"/>
+              <a:rPr lang="en-CA" sz="1100" dirty="0" err="1"/>
               <a:t>Malpass</a:t>
             </a:r>
             <a:r>
-              <a:rPr lang="en-CA" sz="1400" dirty="0"/>
+              <a:rPr lang="en-CA" sz="1100" dirty="0"/>
               <a:t>, (1980) A REAL-TIME NOISE SUPPRESSION FILTER FOR SPEECH ENHANCEMENT AND ROBUST CHANNEL VOCODING </a:t>
             </a:r>
-            <a:endParaRPr lang="fr-CA" sz="1400" dirty="0"/>
+            <a:endParaRPr lang="fr-CA" sz="1100" dirty="0"/>
           </a:p>
           <a:p>
             <a:r>
@@ -4254,18 +4961,14 @@
             <p:ph type="title"/>
           </p:nvPr>
         </p:nvSpPr>
-        <p:spPr>
-          <a:xfrm>
-            <a:off x="457200" y="609600"/>
-            <a:ext cx="8229600" cy="1143000"/>
-          </a:xfrm>
-        </p:spPr>
+        <p:spPr/>
         <p:txBody>
           <a:bodyPr>
             <a:normAutofit fontScale="90000"/>
           </a:bodyPr>
           <a:lstStyle/>
           <a:p>
+            <a:pPr algn="ctr"/>
             <a:r>
               <a:rPr lang="fr-CA" dirty="0" err="1" smtClean="0"/>
               <a:t>MatLab</a:t>
@@ -4278,32 +4981,29 @@
               <a:rPr lang="fr-CA" dirty="0" smtClean="0"/>
             </a:br>
             <a:r>
-              <a:rPr lang="fr-CA" sz="3600" dirty="0" smtClean="0"/>
+              <a:rPr lang="fr-CA" sz="4800" dirty="0" smtClean="0"/>
+              <a:t> </a:t>
+            </a:r>
+            <a:r>
+              <a:rPr lang="fr-CA" sz="3100" dirty="0" smtClean="0"/>
               <a:t>17 filtres </a:t>
             </a:r>
             <a:r>
-              <a:rPr lang="en-US" sz="3600" dirty="0" err="1" smtClean="0"/>
+              <a:rPr lang="en-US" sz="3100" dirty="0" err="1" smtClean="0"/>
               <a:t>passe-bande</a:t>
             </a:r>
             <a:r>
-              <a:rPr lang="en-US" sz="3600" dirty="0" smtClean="0"/>
-              <a:t> </a:t>
-            </a:r>
-            <a:r>
-              <a:rPr lang="en-US" sz="3600" dirty="0" smtClean="0"/>
-              <a:t>Butterworth </a:t>
-            </a:r>
-            <a:r>
-              <a:rPr lang="en-US" sz="3600" dirty="0" err="1" smtClean="0"/>
+              <a:rPr lang="en-US" sz="3100" dirty="0" smtClean="0"/>
+              <a:t> Butterworth </a:t>
+            </a:r>
+            <a:r>
+              <a:rPr lang="en-US" sz="3100" dirty="0" err="1" smtClean="0"/>
               <a:t>ordre</a:t>
             </a:r>
             <a:r>
-              <a:rPr lang="en-US" sz="3600" dirty="0" smtClean="0"/>
+              <a:rPr lang="en-US" sz="3100" dirty="0" smtClean="0"/>
               <a:t> 2</a:t>
             </a:r>
-            <a:br>
-              <a:rPr lang="en-US" sz="3600" dirty="0" smtClean="0"/>
-            </a:br>
             <a:endParaRPr lang="fr-CA" dirty="0"/>
           </a:p>
         </p:txBody>
@@ -4326,8 +5026,8 @@
         </p:blipFill>
         <p:spPr>
           <a:xfrm>
-            <a:off x="616926" y="1600200"/>
-            <a:ext cx="7993674" cy="4800599"/>
+            <a:off x="529529" y="1774825"/>
+            <a:ext cx="8084942" cy="4625975"/>
           </a:xfrm>
           <a:prstGeom prst="rect">
             <a:avLst/>
@@ -4580,6 +5280,7 @@
           </a:bodyPr>
           <a:lstStyle/>
           <a:p>
+            <a:pPr algn="ctr"/>
             <a:r>
               <a:rPr lang="fr-CA" dirty="0" smtClean="0"/>
               <a:t>Matlab</a:t>
@@ -4613,8 +5314,8 @@
         </p:blipFill>
         <p:spPr>
           <a:xfrm>
-            <a:off x="1143000" y="1600200"/>
-            <a:ext cx="6286097" cy="4953000"/>
+            <a:off x="1651768" y="1774825"/>
+            <a:ext cx="5840464" cy="4625975"/>
           </a:xfrm>
           <a:prstGeom prst="rect">
             <a:avLst/>
@@ -4743,6 +5444,7 @@
           </a:bodyPr>
           <a:lstStyle/>
           <a:p>
+            <a:pPr algn="ctr"/>
             <a:r>
               <a:rPr lang="fr-CA" dirty="0" smtClean="0"/>
               <a:t>Matlab</a:t>
@@ -4879,9 +5581,9 @@
 </file>
 
 <file path=ppt/theme/theme1.xml><?xml version="1.0" encoding="utf-8"?>
-<a:theme xmlns:a="http://schemas.openxmlformats.org/drawingml/2006/main" name="Thème Office">
+<a:theme xmlns:a="http://schemas.openxmlformats.org/drawingml/2006/main" name="Module">
   <a:themeElements>
-    <a:clrScheme name="Office">
+    <a:clrScheme name="Module">
       <a:dk1>
         <a:sysClr val="windowText" lastClr="000000"/>
       </a:dk1>
@@ -4889,52 +5591,52 @@
         <a:sysClr val="window" lastClr="FFFFFF"/>
       </a:lt1>
       <a:dk2>
-        <a:srgbClr val="1F497D"/>
+        <a:srgbClr val="5A6378"/>
       </a:dk2>
       <a:lt2>
-        <a:srgbClr val="EEECE1"/>
+        <a:srgbClr val="D4D4D6"/>
       </a:lt2>
       <a:accent1>
-        <a:srgbClr val="4F81BD"/>
+        <a:srgbClr val="F0AD00"/>
       </a:accent1>
       <a:accent2>
-        <a:srgbClr val="C0504D"/>
+        <a:srgbClr val="60B5CC"/>
       </a:accent2>
       <a:accent3>
-        <a:srgbClr val="9BBB59"/>
+        <a:srgbClr val="E66C7D"/>
       </a:accent3>
       <a:accent4>
-        <a:srgbClr val="8064A2"/>
+        <a:srgbClr val="6BB76D"/>
       </a:accent4>
       <a:accent5>
-        <a:srgbClr val="4BACC6"/>
+        <a:srgbClr val="E88651"/>
       </a:accent5>
       <a:accent6>
-        <a:srgbClr val="F79646"/>
+        <a:srgbClr val="C64847"/>
       </a:accent6>
       <a:hlink>
-        <a:srgbClr val="0000FF"/>
+        <a:srgbClr val="168BBA"/>
       </a:hlink>
       <a:folHlink>
-        <a:srgbClr val="800080"/>
+        <a:srgbClr val="680000"/>
       </a:folHlink>
     </a:clrScheme>
-    <a:fontScheme name="Office">
+    <a:fontScheme name="Module">
       <a:majorFont>
-        <a:latin typeface="Calibri"/>
+        <a:latin typeface="Corbel"/>
         <a:ea typeface=""/>
         <a:cs typeface=""/>
-        <a:font script="Jpan" typeface="ＭＳ Ｐゴシック"/>
-        <a:font script="Hang" typeface="맑은 고딕"/>
-        <a:font script="Hans" typeface="宋体"/>
+        <a:font script="Jpan" typeface="HGｺﾞｼｯｸM"/>
+        <a:font script="Hang" typeface="HY엽서L"/>
+        <a:font script="Hans" typeface="华文楷体"/>
         <a:font script="Hant" typeface="新細明體"/>
-        <a:font script="Arab" typeface="Times New Roman"/>
-        <a:font script="Hebr" typeface="Times New Roman"/>
-        <a:font script="Thai" typeface="Angsana New"/>
+        <a:font script="Arab" typeface="Tahoma"/>
+        <a:font script="Hebr" typeface="Miriam"/>
+        <a:font script="Thai" typeface="DilleniaUPC"/>
         <a:font script="Ethi" typeface="Nyala"/>
         <a:font script="Beng" typeface="Vrinda"/>
         <a:font script="Gujr" typeface="Shruti"/>
-        <a:font script="Khmr" typeface="MoolBoran"/>
+        <a:font script="Khmr" typeface="DaunPenh"/>
         <a:font script="Knda" typeface="Tunga"/>
         <a:font script="Guru" typeface="Raavi"/>
         <a:font script="Cans" typeface="Euphemia"/>
@@ -4951,21 +5653,21 @@
         <a:font script="Laoo" typeface="DokChampa"/>
         <a:font script="Sinh" typeface="Iskoola Pota"/>
         <a:font script="Mong" typeface="Mongolian Baiti"/>
-        <a:font script="Viet" typeface="Times New Roman"/>
+        <a:font script="Viet" typeface="Arial"/>
         <a:font script="Uigh" typeface="Microsoft Uighur"/>
         <a:font script="Geor" typeface="Sylfaen"/>
       </a:majorFont>
       <a:minorFont>
-        <a:latin typeface="Calibri"/>
+        <a:latin typeface="Corbel"/>
         <a:ea typeface=""/>
         <a:cs typeface=""/>
-        <a:font script="Jpan" typeface="ＭＳ Ｐゴシック"/>
-        <a:font script="Hang" typeface="맑은 고딕"/>
-        <a:font script="Hans" typeface="宋体"/>
+        <a:font script="Jpan" typeface="HGｺﾞｼｯｸM"/>
+        <a:font script="Hang" typeface="HY엽서L"/>
+        <a:font script="Hans" typeface="华文楷体"/>
         <a:font script="Hant" typeface="新細明體"/>
-        <a:font script="Arab" typeface="Arial"/>
-        <a:font script="Hebr" typeface="Arial"/>
-        <a:font script="Thai" typeface="Cordia New"/>
+        <a:font script="Arab" typeface="Tahoma"/>
+        <a:font script="Hebr" typeface="Miriam"/>
+        <a:font script="Thai" typeface="DilleniaUPC"/>
         <a:font script="Ethi" typeface="Nyala"/>
         <a:font script="Beng" typeface="Vrinda"/>
         <a:font script="Gujr" typeface="Shruti"/>
@@ -4991,7 +5693,7 @@
         <a:font script="Geor" typeface="Sylfaen"/>
       </a:minorFont>
     </a:fontScheme>
-    <a:fmtScheme name="Office">
+    <a:fmtScheme name="Module">
       <a:fillStyleLst>
         <a:solidFill>
           <a:schemeClr val="phClr"/>
@@ -5023,20 +5725,20 @@
           <a:gsLst>
             <a:gs pos="0">
               <a:schemeClr val="phClr">
-                <a:shade val="51000"/>
-                <a:satMod val="130000"/>
+                <a:shade val="47500"/>
+                <a:satMod val="137000"/>
               </a:schemeClr>
             </a:gs>
-            <a:gs pos="80000">
+            <a:gs pos="55000">
               <a:schemeClr val="phClr">
-                <a:shade val="93000"/>
-                <a:satMod val="130000"/>
+                <a:shade val="69000"/>
+                <a:satMod val="137000"/>
               </a:schemeClr>
             </a:gs>
             <a:gs pos="100000">
               <a:schemeClr val="phClr">
-                <a:shade val="94000"/>
-                <a:satMod val="135000"/>
+                <a:shade val="98000"/>
+                <a:satMod val="137000"/>
               </a:schemeClr>
             </a:gs>
           </a:gsLst>
@@ -5044,7 +5746,7 @@
         </a:gradFill>
       </a:fillStyleLst>
       <a:lnStyleLst>
-        <a:ln w="9525" cap="flat" cmpd="sng" algn="ctr">
+        <a:ln w="6350" cap="rnd" cmpd="sng" algn="ctr">
           <a:solidFill>
             <a:schemeClr val="phClr">
               <a:shade val="95000"/>
@@ -5053,13 +5755,13 @@
           </a:solidFill>
           <a:prstDash val="solid"/>
         </a:ln>
-        <a:ln w="25400" cap="flat" cmpd="sng" algn="ctr">
+        <a:ln w="48000" cap="flat" cmpd="thickThin" algn="ctr">
           <a:solidFill>
             <a:schemeClr val="phClr"/>
           </a:solidFill>
           <a:prstDash val="solid"/>
         </a:ln>
-        <a:ln w="38100" cap="flat" cmpd="sng" algn="ctr">
+        <a:ln w="48500" cap="flat" cmpd="thickThin" algn="ctr">
           <a:solidFill>
             <a:schemeClr val="phClr"/>
           </a:solidFill>
@@ -5069,7 +5771,7 @@
       <a:effectStyleLst>
         <a:effectStyle>
           <a:effectLst>
-            <a:outerShdw blurRad="40000" dist="20000" dir="5400000" rotWithShape="0">
+            <a:outerShdw blurRad="45000" dist="25000" dir="5400000" rotWithShape="0">
               <a:srgbClr val="000000">
                 <a:alpha val="38000"/>
               </a:srgbClr>
@@ -5078,31 +5780,31 @@
         </a:effectStyle>
         <a:effectStyle>
           <a:effectLst>
-            <a:outerShdw blurRad="40000" dist="23000" dir="5400000" rotWithShape="0">
+            <a:outerShdw blurRad="39000" dist="25400" dir="5400000" rotWithShape="0">
               <a:srgbClr val="000000">
-                <a:alpha val="35000"/>
+                <a:alpha val="38000"/>
               </a:srgbClr>
             </a:outerShdw>
           </a:effectLst>
         </a:effectStyle>
         <a:effectStyle>
           <a:effectLst>
-            <a:outerShdw blurRad="40000" dist="23000" dir="5400000" rotWithShape="0">
+            <a:outerShdw blurRad="39000" dist="25400" dir="5400000" rotWithShape="0">
               <a:srgbClr val="000000">
-                <a:alpha val="35000"/>
+                <a:alpha val="38000"/>
               </a:srgbClr>
             </a:outerShdw>
           </a:effectLst>
           <a:scene3d>
-            <a:camera prst="orthographicFront">
+            <a:camera prst="orthographicFront" fov="0">
               <a:rot lat="0" lon="0" rev="0"/>
             </a:camera>
             <a:lightRig rig="threePt" dir="t">
-              <a:rot lat="0" lon="0" rev="1200000"/>
+              <a:rot lat="0" lon="0" rev="1800000"/>
             </a:lightRig>
           </a:scene3d>
-          <a:sp3d>
-            <a:bevelT w="63500" h="25400"/>
+          <a:sp3d prstMaterial="matte">
+            <a:bevelT h="20000"/>
           </a:sp3d>
         </a:effectStyle>
       </a:effectStyleLst>
@@ -5114,47 +5816,47 @@
           <a:gsLst>
             <a:gs pos="0">
               <a:schemeClr val="phClr">
-                <a:tint val="40000"/>
-                <a:satMod val="350000"/>
+                <a:tint val="48000"/>
+                <a:satMod val="300000"/>
               </a:schemeClr>
             </a:gs>
-            <a:gs pos="40000">
+            <a:gs pos="12000">
               <a:schemeClr val="phClr">
-                <a:tint val="45000"/>
-                <a:shade val="99000"/>
-                <a:satMod val="350000"/>
+                <a:tint val="48000"/>
+                <a:satMod val="300000"/>
               </a:schemeClr>
             </a:gs>
-            <a:gs pos="100000">
+            <a:gs pos="20000">
               <a:schemeClr val="phClr">
-                <a:shade val="20000"/>
-                <a:satMod val="255000"/>
-              </a:schemeClr>
-            </a:gs>
-          </a:gsLst>
-          <a:path path="circle">
-            <a:fillToRect l="50000" t="-80000" r="50000" b="180000"/>
-          </a:path>
-        </a:gradFill>
-        <a:gradFill rotWithShape="1">
-          <a:gsLst>
-            <a:gs pos="0">
-              <a:schemeClr val="phClr">
-                <a:tint val="80000"/>
+                <a:tint val="49000"/>
                 <a:satMod val="300000"/>
               </a:schemeClr>
             </a:gs>
             <a:gs pos="100000">
               <a:schemeClr val="phClr">
                 <a:shade val="30000"/>
-                <a:satMod val="200000"/>
               </a:schemeClr>
             </a:gs>
           </a:gsLst>
           <a:path path="circle">
-            <a:fillToRect l="50000" t="50000" r="50000" b="50000"/>
+            <a:fillToRect l="10000" t="-25000" r="10000" b="125000"/>
           </a:path>
         </a:gradFill>
+        <a:blipFill>
+          <a:blip xmlns:r="http://schemas.openxmlformats.org/officeDocument/2006/relationships" r:embed="rId1">
+            <a:duotone>
+              <a:schemeClr val="phClr">
+                <a:shade val="75000"/>
+                <a:satMod val="105000"/>
+              </a:schemeClr>
+              <a:schemeClr val="phClr">
+                <a:tint val="95000"/>
+                <a:satMod val="105000"/>
+              </a:schemeClr>
+            </a:duotone>
+          </a:blip>
+          <a:tile tx="0" ty="0" sx="38000" sy="38000" flip="none" algn="tl"/>
+        </a:blipFill>
       </a:bgFillStyleLst>
     </a:fmtScheme>
   </a:themeElements>

--- a/presentation/Presentation-Lacerte-Lavoie.pptx
+++ b/presentation/Presentation-Lacerte-Lavoie.pptx
@@ -9,9 +9,9 @@
     <p:sldId id="257" r:id="rId3"/>
     <p:sldId id="259" r:id="rId4"/>
     <p:sldId id="258" r:id="rId5"/>
-    <p:sldId id="262" r:id="rId6"/>
-    <p:sldId id="267" r:id="rId7"/>
-    <p:sldId id="268" r:id="rId8"/>
+    <p:sldId id="267" r:id="rId6"/>
+    <p:sldId id="268" r:id="rId7"/>
+    <p:sldId id="262" r:id="rId8"/>
     <p:sldId id="264" r:id="rId9"/>
     <p:sldId id="263" r:id="rId10"/>
     <p:sldId id="265" r:id="rId11"/>
@@ -117,13 +117,15 @@
   </p:defaultTextStyle>
   <p:extLst>
     <p:ext uri="{521415D9-36F7-43E2-AB2F-B90AF26B5E84}">
-      <p14:sectionLst xmlns:p14="http://schemas.microsoft.com/office/powerpoint/2010/main" xmlns="">
+      <p14:sectionLst xmlns:p14="http://schemas.microsoft.com/office/powerpoint/2010/main">
         <p14:section name="Section par défaut" id="{2C8C0E65-EC97-4554-BE1C-F2DE3FA5A529}">
           <p14:sldIdLst>
             <p14:sldId id="256"/>
             <p14:sldId id="257"/>
             <p14:sldId id="259"/>
             <p14:sldId id="258"/>
+            <p14:sldId id="267"/>
+            <p14:sldId id="268"/>
             <p14:sldId id="262"/>
             <p14:sldId id="264"/>
             <p14:sldId id="263"/>
@@ -387,7 +389,7 @@
             <a:fld id="{6AA59CE8-3A6B-4C86-B07E-BF7B5BAADB44}" type="datetimeFigureOut">
               <a:rPr lang="en-US" smtClean="0"/>
               <a:pPr/>
-              <a:t>12/5/2017</a:t>
+              <a:t>12/6/2017</a:t>
             </a:fld>
             <a:endParaRPr lang="en-US"/>
           </a:p>
@@ -430,7 +432,7 @@
             <a:fld id="{BA2ACE14-1680-4BCB-A9E8-5B7B4F407520}" type="slidenum">
               <a:rPr lang="en-US" smtClean="0"/>
               <a:pPr/>
-              <a:t>‹#›</a:t>
+              <a:t>‹N°›</a:t>
             </a:fld>
             <a:endParaRPr lang="en-US"/>
           </a:p>
@@ -612,7 +614,7 @@
             <a:fld id="{6AA59CE8-3A6B-4C86-B07E-BF7B5BAADB44}" type="datetimeFigureOut">
               <a:rPr lang="en-US" smtClean="0"/>
               <a:pPr/>
-              <a:t>12/5/2017</a:t>
+              <a:t>12/6/2017</a:t>
             </a:fld>
             <a:endParaRPr lang="en-US"/>
           </a:p>
@@ -655,7 +657,7 @@
             <a:fld id="{BA2ACE14-1680-4BCB-A9E8-5B7B4F407520}" type="slidenum">
               <a:rPr lang="en-US" smtClean="0"/>
               <a:pPr/>
-              <a:t>‹#›</a:t>
+              <a:t>‹N°›</a:t>
             </a:fld>
             <a:endParaRPr lang="en-US"/>
           </a:p>
@@ -894,7 +896,7 @@
             <a:fld id="{6AA59CE8-3A6B-4C86-B07E-BF7B5BAADB44}" type="datetimeFigureOut">
               <a:rPr lang="en-US" smtClean="0"/>
               <a:pPr/>
-              <a:t>12/5/2017</a:t>
+              <a:t>12/6/2017</a:t>
             </a:fld>
             <a:endParaRPr lang="en-US"/>
           </a:p>
@@ -942,7 +944,7 @@
             <a:fld id="{BA2ACE14-1680-4BCB-A9E8-5B7B4F407520}" type="slidenum">
               <a:rPr lang="en-US" smtClean="0"/>
               <a:pPr/>
-              <a:t>‹#›</a:t>
+              <a:t>‹N°›</a:t>
             </a:fld>
             <a:endParaRPr lang="en-US"/>
           </a:p>
@@ -1075,7 +1077,7 @@
             <a:fld id="{6AA59CE8-3A6B-4C86-B07E-BF7B5BAADB44}" type="datetimeFigureOut">
               <a:rPr lang="en-US" smtClean="0"/>
               <a:pPr/>
-              <a:t>12/5/2017</a:t>
+              <a:t>12/6/2017</a:t>
             </a:fld>
             <a:endParaRPr lang="en-US"/>
           </a:p>
@@ -1118,7 +1120,7 @@
             <a:fld id="{BA2ACE14-1680-4BCB-A9E8-5B7B4F407520}" type="slidenum">
               <a:rPr lang="en-US" smtClean="0"/>
               <a:pPr/>
-              <a:t>‹#›</a:t>
+              <a:t>‹N°›</a:t>
             </a:fld>
             <a:endParaRPr lang="en-US"/>
           </a:p>
@@ -1435,7 +1437,7 @@
             <a:fld id="{6AA59CE8-3A6B-4C86-B07E-BF7B5BAADB44}" type="datetimeFigureOut">
               <a:rPr lang="en-US" smtClean="0"/>
               <a:pPr/>
-              <a:t>12/5/2017</a:t>
+              <a:t>12/6/2017</a:t>
             </a:fld>
             <a:endParaRPr lang="en-US"/>
           </a:p>
@@ -1478,7 +1480,7 @@
             <a:fld id="{BA2ACE14-1680-4BCB-A9E8-5B7B4F407520}" type="slidenum">
               <a:rPr lang="en-US" smtClean="0"/>
               <a:pPr/>
-              <a:t>‹#›</a:t>
+              <a:t>‹N°›</a:t>
             </a:fld>
             <a:endParaRPr lang="en-US"/>
           </a:p>
@@ -1724,7 +1726,7 @@
             <a:fld id="{6AA59CE8-3A6B-4C86-B07E-BF7B5BAADB44}" type="datetimeFigureOut">
               <a:rPr lang="en-US" smtClean="0"/>
               <a:pPr/>
-              <a:t>12/5/2017</a:t>
+              <a:t>12/6/2017</a:t>
             </a:fld>
             <a:endParaRPr lang="en-US"/>
           </a:p>
@@ -1767,7 +1769,7 @@
             <a:fld id="{BA2ACE14-1680-4BCB-A9E8-5B7B4F407520}" type="slidenum">
               <a:rPr lang="en-US" smtClean="0"/>
               <a:pPr/>
-              <a:t>‹#›</a:t>
+              <a:t>‹N°›</a:t>
             </a:fld>
             <a:endParaRPr lang="en-US"/>
           </a:p>
@@ -2148,7 +2150,7 @@
             <a:fld id="{6AA59CE8-3A6B-4C86-B07E-BF7B5BAADB44}" type="datetimeFigureOut">
               <a:rPr lang="en-US" smtClean="0"/>
               <a:pPr/>
-              <a:t>12/5/2017</a:t>
+              <a:t>12/6/2017</a:t>
             </a:fld>
             <a:endParaRPr lang="en-US"/>
           </a:p>
@@ -2191,7 +2193,7 @@
             <a:fld id="{BA2ACE14-1680-4BCB-A9E8-5B7B4F407520}" type="slidenum">
               <a:rPr lang="en-US" smtClean="0"/>
               <a:pPr/>
-              <a:t>‹#›</a:t>
+              <a:t>‹N°›</a:t>
             </a:fld>
             <a:endParaRPr lang="en-US"/>
           </a:p>
@@ -2265,7 +2267,7 @@
             <a:fld id="{6AA59CE8-3A6B-4C86-B07E-BF7B5BAADB44}" type="datetimeFigureOut">
               <a:rPr lang="en-US" smtClean="0"/>
               <a:pPr/>
-              <a:t>12/5/2017</a:t>
+              <a:t>12/6/2017</a:t>
             </a:fld>
             <a:endParaRPr lang="en-US"/>
           </a:p>
@@ -2308,7 +2310,7 @@
             <a:fld id="{BA2ACE14-1680-4BCB-A9E8-5B7B4F407520}" type="slidenum">
               <a:rPr lang="en-US" smtClean="0"/>
               <a:pPr/>
-              <a:t>‹#›</a:t>
+              <a:t>‹N°›</a:t>
             </a:fld>
             <a:endParaRPr lang="en-US"/>
           </a:p>
@@ -2357,7 +2359,7 @@
             <a:fld id="{6AA59CE8-3A6B-4C86-B07E-BF7B5BAADB44}" type="datetimeFigureOut">
               <a:rPr lang="en-US" smtClean="0"/>
               <a:pPr/>
-              <a:t>12/5/2017</a:t>
+              <a:t>12/6/2017</a:t>
             </a:fld>
             <a:endParaRPr lang="en-US"/>
           </a:p>
@@ -2400,7 +2402,7 @@
             <a:fld id="{BA2ACE14-1680-4BCB-A9E8-5B7B4F407520}" type="slidenum">
               <a:rPr lang="en-US" smtClean="0"/>
               <a:pPr/>
-              <a:t>‹#›</a:t>
+              <a:t>‹N°›</a:t>
             </a:fld>
             <a:endParaRPr lang="en-US"/>
           </a:p>
@@ -2637,7 +2639,7 @@
             <a:fld id="{6AA59CE8-3A6B-4C86-B07E-BF7B5BAADB44}" type="datetimeFigureOut">
               <a:rPr lang="en-US" smtClean="0"/>
               <a:pPr/>
-              <a:t>12/5/2017</a:t>
+              <a:t>12/6/2017</a:t>
             </a:fld>
             <a:endParaRPr lang="en-US"/>
           </a:p>
@@ -2680,7 +2682,7 @@
             <a:fld id="{BA2ACE14-1680-4BCB-A9E8-5B7B4F407520}" type="slidenum">
               <a:rPr lang="en-US" smtClean="0"/>
               <a:pPr/>
-              <a:t>‹#›</a:t>
+              <a:t>‹N°›</a:t>
             </a:fld>
             <a:endParaRPr lang="en-US"/>
           </a:p>
@@ -3005,7 +3007,7 @@
             <a:fld id="{6AA59CE8-3A6B-4C86-B07E-BF7B5BAADB44}" type="datetimeFigureOut">
               <a:rPr lang="en-US" smtClean="0"/>
               <a:pPr/>
-              <a:t>12/5/2017</a:t>
+              <a:t>12/6/2017</a:t>
             </a:fld>
             <a:endParaRPr lang="en-US"/>
           </a:p>
@@ -3162,7 +3164,7 @@
             <a:fld id="{BA2ACE14-1680-4BCB-A9E8-5B7B4F407520}" type="slidenum">
               <a:rPr lang="en-US" smtClean="0"/>
               <a:pPr/>
-              <a:t>‹#›</a:t>
+              <a:t>‹N°›</a:t>
             </a:fld>
             <a:endParaRPr lang="en-US"/>
           </a:p>
@@ -3444,7 +3446,7 @@
             <a:fld id="{6AA59CE8-3A6B-4C86-B07E-BF7B5BAADB44}" type="datetimeFigureOut">
               <a:rPr lang="en-US" smtClean="0"/>
               <a:pPr/>
-              <a:t>12/5/2017</a:t>
+              <a:t>12/6/2017</a:t>
             </a:fld>
             <a:endParaRPr lang="en-US"/>
           </a:p>
@@ -3525,7 +3527,7 @@
             <a:fld id="{BA2ACE14-1680-4BCB-A9E8-5B7B4F407520}" type="slidenum">
               <a:rPr lang="en-US" smtClean="0"/>
               <a:pPr/>
-              <a:t>‹#›</a:t>
+              <a:t>‹N°›</a:t>
             </a:fld>
             <a:endParaRPr lang="en-US"/>
           </a:p>
@@ -4032,7 +4034,7 @@
           </a:ln>
           <a:extLst>
             <a:ext uri="{53640926-AAD7-44D8-BBD7-CCE9431645EC}">
-              <a14:shadowObscured xmlns:a14="http://schemas.microsoft.com/office/drawing/2010/main" xmlns=""/>
+              <a14:shadowObscured xmlns:a14="http://schemas.microsoft.com/office/drawing/2010/main"/>
             </a:ext>
           </a:extLst>
         </p:spPr>
@@ -4061,7 +4063,7 @@
           </a:ln>
           <a:extLst>
             <a:ext uri="{53640926-AAD7-44D8-BBD7-CCE9431645EC}">
-              <a14:shadowObscured xmlns:a14="http://schemas.microsoft.com/office/drawing/2010/main" xmlns=""/>
+              <a14:shadowObscured xmlns:a14="http://schemas.microsoft.com/office/drawing/2010/main"/>
             </a:ext>
           </a:extLst>
         </p:spPr>
@@ -4129,7 +4131,7 @@
     </p:spTree>
     <p:extLst>
       <p:ext uri="{BB962C8B-B14F-4D97-AF65-F5344CB8AC3E}">
-        <p14:creationId xmlns:p14="http://schemas.microsoft.com/office/powerpoint/2010/main" xmlns="" val="3481301760"/>
+        <p14:creationId xmlns:p14="http://schemas.microsoft.com/office/powerpoint/2010/main" val="3481301760"/>
       </p:ext>
     </p:extLst>
   </p:cSld>
@@ -4246,11 +4248,7 @@
           <a:p>
             <a:r>
               <a:rPr lang="fr-CA" dirty="0" smtClean="0"/>
-              <a:t>Détecteur de </a:t>
-            </a:r>
-            <a:r>
-              <a:rPr lang="fr-CA" dirty="0" smtClean="0"/>
-              <a:t>bruit</a:t>
+              <a:t>Détecteur de bruit</a:t>
             </a:r>
           </a:p>
           <a:p>
@@ -4261,20 +4259,15 @@
             </a:r>
             <a:r>
               <a:rPr lang="fr-CA" dirty="0" smtClean="0"/>
-              <a:t>: 50% vs C: 90</a:t>
-            </a:r>
-            <a:r>
-              <a:rPr lang="fr-CA" dirty="0" smtClean="0"/>
-              <a:t>%</a:t>
-            </a:r>
-            <a:endParaRPr lang="fr-CA" dirty="0" smtClean="0"/>
+              <a:t>: 50% vs C: 90%</a:t>
+            </a:r>
           </a:p>
         </p:txBody>
       </p:sp>
     </p:spTree>
     <p:extLst>
       <p:ext uri="{BB962C8B-B14F-4D97-AF65-F5344CB8AC3E}">
-        <p14:creationId xmlns:p14="http://schemas.microsoft.com/office/powerpoint/2010/main" xmlns="" val="1791884342"/>
+        <p14:creationId xmlns:p14="http://schemas.microsoft.com/office/powerpoint/2010/main" val="1791884342"/>
       </p:ext>
     </p:extLst>
   </p:cSld>
@@ -4521,7 +4514,7 @@
     </p:spTree>
     <p:extLst>
       <p:ext uri="{BB962C8B-B14F-4D97-AF65-F5344CB8AC3E}">
-        <p14:creationId xmlns:p14="http://schemas.microsoft.com/office/powerpoint/2010/main" xmlns="" val="3595111787"/>
+        <p14:creationId xmlns:p14="http://schemas.microsoft.com/office/powerpoint/2010/main" val="3595111787"/>
       </p:ext>
     </p:extLst>
   </p:cSld>
@@ -4696,7 +4689,7 @@
           <a:blip r:embed="rId2" cstate="print">
             <a:extLst>
               <a:ext uri="{28A0092B-C50C-407E-A947-70E740481C1C}">
-                <a14:useLocalDpi xmlns:a14="http://schemas.microsoft.com/office/drawing/2010/main" xmlns="" val="0"/>
+                <a14:useLocalDpi xmlns:a14="http://schemas.microsoft.com/office/drawing/2010/main" val="0"/>
               </a:ext>
             </a:extLst>
           </a:blip>
@@ -4771,7 +4764,7 @@
     </p:spTree>
     <p:extLst>
       <p:ext uri="{BB962C8B-B14F-4D97-AF65-F5344CB8AC3E}">
-        <p14:creationId xmlns:p14="http://schemas.microsoft.com/office/powerpoint/2010/main" xmlns="" val="4048627697"/>
+        <p14:creationId xmlns:p14="http://schemas.microsoft.com/office/powerpoint/2010/main" val="4048627697"/>
       </p:ext>
     </p:extLst>
   </p:cSld>
@@ -4917,7 +4910,7 @@
     </p:spTree>
     <p:extLst>
       <p:ext uri="{BB962C8B-B14F-4D97-AF65-F5344CB8AC3E}">
-        <p14:creationId xmlns:p14="http://schemas.microsoft.com/office/powerpoint/2010/main" xmlns="" val="1135540614"/>
+        <p14:creationId xmlns:p14="http://schemas.microsoft.com/office/powerpoint/2010/main" val="1135540614"/>
       </p:ext>
     </p:extLst>
   </p:cSld>
@@ -4953,7 +4946,7 @@
       </p:grpSpPr>
       <p:sp>
         <p:nvSpPr>
-          <p:cNvPr id="2" name="Titre 1"/>
+          <p:cNvPr id="2" name="Title 1"/>
           <p:cNvSpPr>
             <a:spLocks noGrp="1"/>
           </p:cNvSpPr>
@@ -4963,83 +4956,49 @@
         </p:nvSpPr>
         <p:spPr/>
         <p:txBody>
-          <a:bodyPr>
-            <a:normAutofit fontScale="90000"/>
-          </a:bodyPr>
+          <a:bodyPr/>
           <a:lstStyle/>
           <a:p>
-            <a:pPr algn="ctr"/>
-            <a:r>
-              <a:rPr lang="fr-CA" dirty="0" err="1" smtClean="0"/>
-              <a:t>MatLab</a:t>
-            </a:r>
             <a:r>
               <a:rPr lang="fr-CA" dirty="0" smtClean="0"/>
-              <a:t/>
-            </a:r>
-            <a:br>
+              <a:t>Détecteur bruit</a:t>
+            </a:r>
+            <a:endParaRPr lang="fr-CA" dirty="0"/>
+          </a:p>
+        </p:txBody>
+      </p:sp>
+      <p:sp>
+        <p:nvSpPr>
+          <p:cNvPr id="3" name="Content Placeholder 2"/>
+          <p:cNvSpPr>
+            <a:spLocks noGrp="1"/>
+          </p:cNvSpPr>
+          <p:nvPr>
+            <p:ph idx="1"/>
+          </p:nvPr>
+        </p:nvSpPr>
+        <p:spPr/>
+        <p:txBody>
+          <a:bodyPr/>
+          <a:lstStyle/>
+          <a:p>
+            <a:r>
               <a:rPr lang="fr-CA" dirty="0" smtClean="0"/>
-            </a:br>
-            <a:r>
-              <a:rPr lang="fr-CA" sz="4800" dirty="0" smtClean="0"/>
-              <a:t> </a:t>
-            </a:r>
-            <a:r>
-              <a:rPr lang="fr-CA" sz="3100" dirty="0" smtClean="0"/>
-              <a:t>17 filtres </a:t>
-            </a:r>
-            <a:r>
-              <a:rPr lang="en-US" sz="3100" dirty="0" err="1" smtClean="0"/>
-              <a:t>passe-bande</a:t>
-            </a:r>
-            <a:r>
-              <a:rPr lang="en-US" sz="3100" dirty="0" smtClean="0"/>
-              <a:t> Butterworth </a:t>
-            </a:r>
-            <a:r>
-              <a:rPr lang="en-US" sz="3100" dirty="0" err="1" smtClean="0"/>
-              <a:t>ordre</a:t>
-            </a:r>
-            <a:r>
-              <a:rPr lang="en-US" sz="3100" dirty="0" smtClean="0"/>
-              <a:t> 2</a:t>
-            </a:r>
-            <a:endParaRPr lang="fr-CA" dirty="0"/>
-          </a:p>
-        </p:txBody>
-      </p:sp>
-      <p:pic>
-        <p:nvPicPr>
-          <p:cNvPr id="4" name="Picture 13"/>
-          <p:cNvPicPr>
-            <a:picLocks noGrp="1"/>
-          </p:cNvPicPr>
-          <p:nvPr>
-            <p:ph idx="1"/>
-          </p:nvPr>
-        </p:nvPicPr>
-        <p:blipFill>
-          <a:blip r:embed="rId2" cstate="print"/>
-          <a:stretch>
-            <a:fillRect/>
-          </a:stretch>
-        </p:blipFill>
-        <p:spPr>
-          <a:xfrm>
-            <a:off x="529529" y="1774825"/>
-            <a:ext cx="8084942" cy="4625975"/>
-          </a:xfrm>
-          <a:prstGeom prst="rect">
-            <a:avLst/>
-          </a:prstGeom>
-        </p:spPr>
-      </p:pic>
+              <a:t>Détermine niveau d’énergie dans les trames ne contenant pas de voix.</a:t>
+            </a:r>
+          </a:p>
+          <a:p>
+            <a:r>
+              <a:rPr lang="fr-CA" dirty="0" smtClean="0"/>
+              <a:t>Ce niveau permet ensuite de classer les trames: bruit ou bruit+voix.</a:t>
+            </a:r>
+          </a:p>
+          <a:p>
+            <a:endParaRPr lang="fr-CA" dirty="0" smtClean="0"/>
+          </a:p>
+        </p:txBody>
+      </p:sp>
     </p:spTree>
-    <p:extLst>
-      <p:ext uri="{BB962C8B-B14F-4D97-AF65-F5344CB8AC3E}">
-        <p14:creationId xmlns:p14="http://schemas.microsoft.com/office/powerpoint/2010/main" xmlns="" val="2017465334"/>
-      </p:ext>
-    </p:extLst>
   </p:cSld>
   <p:clrMapOvr>
     <a:masterClrMapping/>
@@ -5094,34 +5053,80 @@
           </a:p>
         </p:txBody>
       </p:sp>
-      <p:sp>
-        <p:nvSpPr>
-          <p:cNvPr id="3" name="Content Placeholder 2"/>
-          <p:cNvSpPr>
-            <a:spLocks noGrp="1"/>
-          </p:cNvSpPr>
-          <p:nvPr>
-            <p:ph idx="1"/>
-          </p:nvPr>
-        </p:nvSpPr>
-        <p:spPr/>
-        <p:txBody>
-          <a:bodyPr/>
+      <p:pic>
+        <p:nvPicPr>
+          <p:cNvPr id="1026" name="Picture 2"/>
+          <p:cNvPicPr>
+            <a:picLocks noChangeAspect="1" noChangeArrowheads="1"/>
+          </p:cNvPicPr>
+          <p:nvPr/>
+        </p:nvPicPr>
+        <p:blipFill>
+          <a:blip r:embed="rId2" cstate="print"/>
+          <a:srcRect/>
+          <a:stretch>
+            <a:fillRect/>
+          </a:stretch>
+        </p:blipFill>
+        <p:spPr bwMode="auto">
+          <a:xfrm>
+            <a:off x="1905000" y="1623685"/>
+            <a:ext cx="5006262" cy="4657725"/>
+          </a:xfrm>
+          <a:prstGeom prst="rect">
+            <a:avLst/>
+          </a:prstGeom>
+          <a:noFill/>
+          <a:ln w="9525">
+            <a:noFill/>
+            <a:miter lim="800000"/>
+            <a:headEnd/>
+            <a:tailEnd/>
+          </a:ln>
+        </p:spPr>
+      </p:pic>
+      <p:sp>
+        <p:nvSpPr>
+          <p:cNvPr id="4" name="Rectangle 3"/>
+          <p:cNvSpPr/>
+          <p:nvPr/>
+        </p:nvSpPr>
+        <p:spPr>
+          <a:xfrm>
+            <a:off x="579120" y="6172200"/>
+            <a:ext cx="8077200" cy="523220"/>
+          </a:xfrm>
+          <a:prstGeom prst="rect">
+            <a:avLst/>
+          </a:prstGeom>
+        </p:spPr>
+        <p:txBody>
+          <a:bodyPr wrap="square">
+            <a:spAutoFit/>
+          </a:bodyPr>
           <a:lstStyle/>
           <a:p>
             <a:r>
-              <a:rPr lang="fr-CA" dirty="0" smtClean="0"/>
-              <a:t>Détermine niveau d’énergie dans les trames ne contenant pas de voix.</a:t>
-            </a:r>
-          </a:p>
-          <a:p>
-            <a:r>
-              <a:rPr lang="fr-CA" dirty="0" smtClean="0"/>
-              <a:t>Ce niveau permet ensuite de classer les trames: bruit ou bruit+voix.</a:t>
-            </a:r>
-          </a:p>
-          <a:p>
-            <a:endParaRPr lang="fr-CA" dirty="0" smtClean="0"/>
+              <a:rPr lang="en-CA" sz="1400" dirty="0"/>
+              <a:t>Robert J. </a:t>
+            </a:r>
+            <a:r>
+              <a:rPr lang="en-CA" sz="1400" dirty="0" err="1"/>
+              <a:t>McAulay</a:t>
+            </a:r>
+            <a:r>
+              <a:rPr lang="en-CA" sz="1400" dirty="0"/>
+              <a:t> and Marilyn L. </a:t>
+            </a:r>
+            <a:r>
+              <a:rPr lang="en-CA" sz="1400" dirty="0" err="1"/>
+              <a:t>Malpass</a:t>
+            </a:r>
+            <a:r>
+              <a:rPr lang="en-CA" sz="1400" dirty="0"/>
+              <a:t>, (1980) SPEECH ENHANCEMENT USING A SOFT-DECISION NOISE SUPPRESSION FILTER  </a:t>
+            </a:r>
+            <a:endParaRPr lang="fr-CA" sz="1400" dirty="0"/>
           </a:p>
         </p:txBody>
       </p:sp>
@@ -5159,7 +5164,7 @@
       </p:grpSpPr>
       <p:sp>
         <p:nvSpPr>
-          <p:cNvPr id="2" name="Title 1"/>
+          <p:cNvPr id="2" name="Titre 1"/>
           <p:cNvSpPr>
             <a:spLocks noGrp="1"/>
           </p:cNvSpPr>
@@ -5169,69 +5174,83 @@
         </p:nvSpPr>
         <p:spPr/>
         <p:txBody>
-          <a:bodyPr/>
+          <a:bodyPr>
+            <a:normAutofit fontScale="90000"/>
+          </a:bodyPr>
           <a:lstStyle/>
           <a:p>
+            <a:pPr algn="ctr"/>
+            <a:r>
+              <a:rPr lang="fr-CA" dirty="0" err="1" smtClean="0"/>
+              <a:t>MatLab</a:t>
+            </a:r>
             <a:r>
               <a:rPr lang="fr-CA" dirty="0" smtClean="0"/>
-              <a:t>Détecteur bruit</a:t>
-            </a:r>
-            <a:endParaRPr lang="fr-CA" dirty="0"/>
-          </a:p>
-        </p:txBody>
-      </p:sp>
-      <p:sp>
-        <p:nvSpPr>
-          <p:cNvPr id="3" name="Content Placeholder 2"/>
-          <p:cNvSpPr>
-            <a:spLocks noGrp="1"/>
-          </p:cNvSpPr>
-          <p:nvPr>
-            <p:ph idx="1"/>
-          </p:nvPr>
-        </p:nvSpPr>
-        <p:spPr/>
-        <p:txBody>
-          <a:bodyPr/>
-          <a:lstStyle/>
-          <a:p>
+              <a:t/>
+            </a:r>
+            <a:br>
+              <a:rPr lang="fr-CA" dirty="0" smtClean="0"/>
+            </a:br>
+            <a:r>
+              <a:rPr lang="fr-CA" sz="4800" dirty="0" smtClean="0"/>
+              <a:t> </a:t>
+            </a:r>
+            <a:r>
+              <a:rPr lang="fr-CA" sz="3100" dirty="0" smtClean="0"/>
+              <a:t>17 filtres </a:t>
+            </a:r>
+            <a:r>
+              <a:rPr lang="en-US" sz="3100" dirty="0" err="1" smtClean="0"/>
+              <a:t>passe-bande</a:t>
+            </a:r>
+            <a:r>
+              <a:rPr lang="en-US" sz="3100" dirty="0" smtClean="0"/>
+              <a:t> Butterworth </a:t>
+            </a:r>
+            <a:r>
+              <a:rPr lang="en-US" sz="3100" dirty="0" err="1" smtClean="0"/>
+              <a:t>ordre</a:t>
+            </a:r>
+            <a:r>
+              <a:rPr lang="en-US" sz="3100" dirty="0" smtClean="0"/>
+              <a:t> 2</a:t>
+            </a:r>
             <a:endParaRPr lang="fr-CA" dirty="0"/>
           </a:p>
         </p:txBody>
       </p:sp>
       <p:pic>
         <p:nvPicPr>
-          <p:cNvPr id="1026" name="Picture 2"/>
+          <p:cNvPr id="4" name="Picture 13"/>
           <p:cNvPicPr>
-            <a:picLocks noChangeAspect="1" noChangeArrowheads="1"/>
+            <a:picLocks noGrp="1"/>
           </p:cNvPicPr>
-          <p:nvPr/>
+          <p:nvPr>
+            <p:ph idx="1"/>
+          </p:nvPr>
         </p:nvPicPr>
         <p:blipFill>
           <a:blip r:embed="rId2" cstate="print"/>
-          <a:srcRect/>
           <a:stretch>
             <a:fillRect/>
           </a:stretch>
         </p:blipFill>
-        <p:spPr bwMode="auto">
+        <p:spPr>
           <a:xfrm>
-            <a:off x="1870788" y="1514475"/>
-            <a:ext cx="5006262" cy="4657725"/>
+            <a:off x="529529" y="1774825"/>
+            <a:ext cx="8084942" cy="4625975"/>
           </a:xfrm>
           <a:prstGeom prst="rect">
             <a:avLst/>
           </a:prstGeom>
-          <a:noFill/>
-          <a:ln w="9525">
-            <a:noFill/>
-            <a:miter lim="800000"/>
-            <a:headEnd/>
-            <a:tailEnd/>
-          </a:ln>
         </p:spPr>
       </p:pic>
     </p:spTree>
+    <p:extLst>
+      <p:ext uri="{BB962C8B-B14F-4D97-AF65-F5344CB8AC3E}">
+        <p14:creationId xmlns:p14="http://schemas.microsoft.com/office/powerpoint/2010/main" val="2017465334"/>
+      </p:ext>
+    </p:extLst>
   </p:cSld>
   <p:clrMapOvr>
     <a:masterClrMapping/>
@@ -5393,7 +5412,7 @@
     </p:spTree>
     <p:extLst>
       <p:ext uri="{BB962C8B-B14F-4D97-AF65-F5344CB8AC3E}">
-        <p14:creationId xmlns:p14="http://schemas.microsoft.com/office/powerpoint/2010/main" xmlns="" val="3701297678"/>
+        <p14:creationId xmlns:p14="http://schemas.microsoft.com/office/powerpoint/2010/main" val="3701297678"/>
       </p:ext>
     </p:extLst>
   </p:cSld>
@@ -5474,7 +5493,7 @@
           <a:blip r:embed="rId2" cstate="print">
             <a:extLst>
               <a:ext uri="{28A0092B-C50C-407E-A947-70E740481C1C}">
-                <a14:useLocalDpi xmlns:a14="http://schemas.microsoft.com/office/drawing/2010/main" xmlns="" val="0"/>
+                <a14:useLocalDpi xmlns:a14="http://schemas.microsoft.com/office/drawing/2010/main" val="0"/>
               </a:ext>
             </a:extLst>
           </a:blip>
@@ -5502,7 +5521,7 @@
           <a:blip r:embed="rId3" cstate="print">
             <a:extLst>
               <a:ext uri="{28A0092B-C50C-407E-A947-70E740481C1C}">
-                <a14:useLocalDpi xmlns:a14="http://schemas.microsoft.com/office/drawing/2010/main" xmlns="" val="0"/>
+                <a14:useLocalDpi xmlns:a14="http://schemas.microsoft.com/office/drawing/2010/main" val="0"/>
               </a:ext>
             </a:extLst>
           </a:blip>
@@ -5563,7 +5582,7 @@
     </p:spTree>
     <p:extLst>
       <p:ext uri="{BB962C8B-B14F-4D97-AF65-F5344CB8AC3E}">
-        <p14:creationId xmlns:p14="http://schemas.microsoft.com/office/powerpoint/2010/main" xmlns="" val="1841277664"/>
+        <p14:creationId xmlns:p14="http://schemas.microsoft.com/office/powerpoint/2010/main" val="1841277664"/>
       </p:ext>
     </p:extLst>
   </p:cSld>
